--- a/figures/Presentation1.pptx
+++ b/figures/Presentation1.pptx
@@ -6,11 +6,13 @@
   </p:sldMasterIdLst>
   <p:sldIdLst>
     <p:sldId id="256" r:id="rId2"/>
-    <p:sldId id="257" r:id="rId3"/>
-    <p:sldId id="258" r:id="rId4"/>
-    <p:sldId id="259" r:id="rId5"/>
-    <p:sldId id="260" r:id="rId6"/>
-    <p:sldId id="261" r:id="rId7"/>
+    <p:sldId id="262" r:id="rId3"/>
+    <p:sldId id="263" r:id="rId4"/>
+    <p:sldId id="257" r:id="rId5"/>
+    <p:sldId id="258" r:id="rId6"/>
+    <p:sldId id="259" r:id="rId7"/>
+    <p:sldId id="260" r:id="rId8"/>
+    <p:sldId id="261" r:id="rId9"/>
   </p:sldIdLst>
   <p:sldSz cx="9144000" cy="6858000" type="screen4x3"/>
   <p:notesSz cx="6858000" cy="9144000"/>
@@ -5018,6 +5020,2028 @@
           <a:chExt cx="0" cy="0"/>
         </a:xfrm>
       </p:grpSpPr>
+      <p:cxnSp>
+        <p:nvCxnSpPr>
+          <p:cNvPr id="4" name="Straight Arrow Connector 3"/>
+          <p:cNvCxnSpPr/>
+          <p:nvPr/>
+        </p:nvCxnSpPr>
+        <p:spPr>
+          <a:xfrm flipH="1" flipV="1">
+            <a:off x="1752185" y="2737177"/>
+            <a:ext cx="2901075" cy="1"/>
+          </a:xfrm>
+          <a:prstGeom prst="straightConnector1">
+            <a:avLst/>
+          </a:prstGeom>
+          <a:ln>
+            <a:tailEnd type="none"/>
+          </a:ln>
+        </p:spPr>
+        <p:style>
+          <a:lnRef idx="2">
+            <a:schemeClr val="accent2"/>
+          </a:lnRef>
+          <a:fillRef idx="0">
+            <a:schemeClr val="accent2"/>
+          </a:fillRef>
+          <a:effectRef idx="1">
+            <a:schemeClr val="accent2"/>
+          </a:effectRef>
+          <a:fontRef idx="minor">
+            <a:schemeClr val="tx1"/>
+          </a:fontRef>
+        </p:style>
+      </p:cxnSp>
+      <p:pic>
+        <p:nvPicPr>
+          <p:cNvPr id="5" name="Picture 4"/>
+          <p:cNvPicPr>
+            <a:picLocks noChangeAspect="1"/>
+          </p:cNvPicPr>
+          <p:nvPr/>
+        </p:nvPicPr>
+        <p:blipFill>
+          <a:blip r:embed="rId2"/>
+          <a:stretch>
+            <a:fillRect/>
+          </a:stretch>
+        </p:blipFill>
+        <p:spPr>
+          <a:xfrm>
+            <a:off x="1669081" y="2836722"/>
+            <a:ext cx="241300" cy="215900"/>
+          </a:xfrm>
+          <a:prstGeom prst="rect">
+            <a:avLst/>
+          </a:prstGeom>
+        </p:spPr>
+      </p:pic>
+      <p:pic>
+        <p:nvPicPr>
+          <p:cNvPr id="6" name="Picture 5"/>
+          <p:cNvPicPr>
+            <a:picLocks noChangeAspect="1"/>
+          </p:cNvPicPr>
+          <p:nvPr/>
+        </p:nvPicPr>
+        <p:blipFill>
+          <a:blip r:embed="rId3"/>
+          <a:stretch>
+            <a:fillRect/>
+          </a:stretch>
+        </p:blipFill>
+        <p:spPr>
+          <a:xfrm>
+            <a:off x="6094320" y="2848779"/>
+            <a:ext cx="215900" cy="304800"/>
+          </a:xfrm>
+          <a:prstGeom prst="rect">
+            <a:avLst/>
+          </a:prstGeom>
+        </p:spPr>
+      </p:pic>
+      <p:cxnSp>
+        <p:nvCxnSpPr>
+          <p:cNvPr id="7" name="Straight Arrow Connector 6"/>
+          <p:cNvCxnSpPr/>
+          <p:nvPr/>
+        </p:nvCxnSpPr>
+        <p:spPr>
+          <a:xfrm flipH="1" flipV="1">
+            <a:off x="4653259" y="2737177"/>
+            <a:ext cx="1858641" cy="1"/>
+          </a:xfrm>
+          <a:prstGeom prst="straightConnector1">
+            <a:avLst/>
+          </a:prstGeom>
+          <a:ln>
+            <a:tailEnd type="none"/>
+          </a:ln>
+        </p:spPr>
+        <p:style>
+          <a:lnRef idx="2">
+            <a:schemeClr val="accent2"/>
+          </a:lnRef>
+          <a:fillRef idx="0">
+            <a:schemeClr val="accent2"/>
+          </a:fillRef>
+          <a:effectRef idx="1">
+            <a:schemeClr val="accent2"/>
+          </a:effectRef>
+          <a:fontRef idx="minor">
+            <a:schemeClr val="tx1"/>
+          </a:fontRef>
+        </p:style>
+      </p:cxnSp>
+      <p:cxnSp>
+        <p:nvCxnSpPr>
+          <p:cNvPr id="8" name="Straight Arrow Connector 7"/>
+          <p:cNvCxnSpPr>
+            <a:endCxn id="9" idx="3"/>
+          </p:cNvCxnSpPr>
+          <p:nvPr/>
+        </p:nvCxnSpPr>
+        <p:spPr>
+          <a:xfrm flipH="1" flipV="1">
+            <a:off x="3492585" y="649842"/>
+            <a:ext cx="25254" cy="2063803"/>
+          </a:xfrm>
+          <a:prstGeom prst="straightConnector1">
+            <a:avLst/>
+          </a:prstGeom>
+          <a:ln>
+            <a:prstDash val="dash"/>
+            <a:tailEnd type="none"/>
+          </a:ln>
+        </p:spPr>
+        <p:style>
+          <a:lnRef idx="2">
+            <a:schemeClr val="accent2"/>
+          </a:lnRef>
+          <a:fillRef idx="0">
+            <a:schemeClr val="accent2"/>
+          </a:fillRef>
+          <a:effectRef idx="1">
+            <a:schemeClr val="accent2"/>
+          </a:effectRef>
+          <a:fontRef idx="minor">
+            <a:schemeClr val="tx1"/>
+          </a:fontRef>
+        </p:style>
+      </p:cxnSp>
+      <p:pic>
+        <p:nvPicPr>
+          <p:cNvPr id="9" name="Picture 8" descr="latex-image-1.pdf"/>
+          <p:cNvPicPr>
+            <a:picLocks noChangeAspect="1"/>
+          </p:cNvPicPr>
+          <p:nvPr/>
+        </p:nvPicPr>
+        <p:blipFill>
+          <a:blip r:embed="rId4">
+            <a:extLst>
+              <a:ext uri="{28A0092B-C50C-407E-A947-70E740481C1C}">
+                <a14:useLocalDpi xmlns:a14="http://schemas.microsoft.com/office/drawing/2010/main" val="0"/>
+              </a:ext>
+            </a:extLst>
+          </a:blip>
+          <a:stretch>
+            <a:fillRect/>
+          </a:stretch>
+        </p:blipFill>
+        <p:spPr>
+          <a:xfrm>
+            <a:off x="3263985" y="541892"/>
+            <a:ext cx="228600" cy="215900"/>
+          </a:xfrm>
+          <a:prstGeom prst="rect">
+            <a:avLst/>
+          </a:prstGeom>
+        </p:spPr>
+      </p:pic>
+      <p:cxnSp>
+        <p:nvCxnSpPr>
+          <p:cNvPr id="10" name="Straight Arrow Connector 9"/>
+          <p:cNvCxnSpPr/>
+          <p:nvPr/>
+        </p:nvCxnSpPr>
+        <p:spPr>
+          <a:xfrm flipH="1" flipV="1">
+            <a:off x="1841442" y="1144438"/>
+            <a:ext cx="2571066" cy="1579120"/>
+          </a:xfrm>
+          <a:prstGeom prst="straightConnector1">
+            <a:avLst/>
+          </a:prstGeom>
+          <a:ln>
+            <a:solidFill>
+              <a:schemeClr val="bg1">
+                <a:lumMod val="50000"/>
+              </a:schemeClr>
+            </a:solidFill>
+            <a:headEnd type="none"/>
+            <a:tailEnd type="none"/>
+          </a:ln>
+        </p:spPr>
+        <p:style>
+          <a:lnRef idx="2">
+            <a:schemeClr val="dk1"/>
+          </a:lnRef>
+          <a:fillRef idx="0">
+            <a:schemeClr val="dk1"/>
+          </a:fillRef>
+          <a:effectRef idx="1">
+            <a:schemeClr val="dk1"/>
+          </a:effectRef>
+          <a:fontRef idx="minor">
+            <a:schemeClr val="tx1"/>
+          </a:fontRef>
+        </p:style>
+      </p:cxnSp>
+      <p:cxnSp>
+        <p:nvCxnSpPr>
+          <p:cNvPr id="11" name="Straight Arrow Connector 10"/>
+          <p:cNvCxnSpPr/>
+          <p:nvPr/>
+        </p:nvCxnSpPr>
+        <p:spPr>
+          <a:xfrm flipH="1" flipV="1">
+            <a:off x="1841443" y="1428578"/>
+            <a:ext cx="2108443" cy="1294980"/>
+          </a:xfrm>
+          <a:prstGeom prst="straightConnector1">
+            <a:avLst/>
+          </a:prstGeom>
+          <a:ln>
+            <a:solidFill>
+              <a:schemeClr val="bg1">
+                <a:lumMod val="50000"/>
+              </a:schemeClr>
+            </a:solidFill>
+            <a:headEnd type="none"/>
+            <a:tailEnd type="none"/>
+          </a:ln>
+        </p:spPr>
+        <p:style>
+          <a:lnRef idx="2">
+            <a:schemeClr val="dk1"/>
+          </a:lnRef>
+          <a:fillRef idx="0">
+            <a:schemeClr val="dk1"/>
+          </a:fillRef>
+          <a:effectRef idx="1">
+            <a:schemeClr val="dk1"/>
+          </a:effectRef>
+          <a:fontRef idx="minor">
+            <a:schemeClr val="tx1"/>
+          </a:fontRef>
+        </p:style>
+      </p:cxnSp>
+      <p:cxnSp>
+        <p:nvCxnSpPr>
+          <p:cNvPr id="12" name="Straight Arrow Connector 11"/>
+          <p:cNvCxnSpPr/>
+          <p:nvPr/>
+        </p:nvCxnSpPr>
+        <p:spPr>
+          <a:xfrm flipH="1" flipV="1">
+            <a:off x="1841442" y="1706230"/>
+            <a:ext cx="1651143" cy="1014114"/>
+          </a:xfrm>
+          <a:prstGeom prst="straightConnector1">
+            <a:avLst/>
+          </a:prstGeom>
+          <a:ln>
+            <a:solidFill>
+              <a:schemeClr val="bg1">
+                <a:lumMod val="50000"/>
+              </a:schemeClr>
+            </a:solidFill>
+            <a:headEnd type="none"/>
+            <a:tailEnd type="none"/>
+          </a:ln>
+        </p:spPr>
+        <p:style>
+          <a:lnRef idx="2">
+            <a:schemeClr val="dk1"/>
+          </a:lnRef>
+          <a:fillRef idx="0">
+            <a:schemeClr val="dk1"/>
+          </a:fillRef>
+          <a:effectRef idx="1">
+            <a:schemeClr val="dk1"/>
+          </a:effectRef>
+          <a:fontRef idx="minor">
+            <a:schemeClr val="tx1"/>
+          </a:fontRef>
+        </p:style>
+      </p:cxnSp>
+      <p:cxnSp>
+        <p:nvCxnSpPr>
+          <p:cNvPr id="13" name="Straight Arrow Connector 12"/>
+          <p:cNvCxnSpPr/>
+          <p:nvPr/>
+        </p:nvCxnSpPr>
+        <p:spPr>
+          <a:xfrm flipH="1">
+            <a:off x="2029018" y="1428574"/>
+            <a:ext cx="351796" cy="429920"/>
+          </a:xfrm>
+          <a:prstGeom prst="straightConnector1">
+            <a:avLst/>
+          </a:prstGeom>
+          <a:ln>
+            <a:headEnd type="none"/>
+            <a:tailEnd type="none"/>
+          </a:ln>
+        </p:spPr>
+        <p:style>
+          <a:lnRef idx="2">
+            <a:schemeClr val="dk1"/>
+          </a:lnRef>
+          <a:fillRef idx="0">
+            <a:schemeClr val="dk1"/>
+          </a:fillRef>
+          <a:effectRef idx="1">
+            <a:schemeClr val="dk1"/>
+          </a:effectRef>
+          <a:fontRef idx="minor">
+            <a:schemeClr val="tx1"/>
+          </a:fontRef>
+        </p:style>
+      </p:cxnSp>
+      <p:pic>
+        <p:nvPicPr>
+          <p:cNvPr id="14" name="Picture 13" descr="latex-image-1.pdf"/>
+          <p:cNvPicPr>
+            <a:picLocks noChangeAspect="1"/>
+          </p:cNvPicPr>
+          <p:nvPr/>
+        </p:nvPicPr>
+        <p:blipFill>
+          <a:blip r:embed="rId5">
+            <a:extLst>
+              <a:ext uri="{28A0092B-C50C-407E-A947-70E740481C1C}">
+                <a14:useLocalDpi xmlns:a14="http://schemas.microsoft.com/office/drawing/2010/main" val="0"/>
+              </a:ext>
+            </a:extLst>
+          </a:blip>
+          <a:stretch>
+            <a:fillRect/>
+          </a:stretch>
+        </p:blipFill>
+        <p:spPr>
+          <a:xfrm>
+            <a:off x="1813119" y="1858494"/>
+            <a:ext cx="161925" cy="171450"/>
+          </a:xfrm>
+          <a:prstGeom prst="rect">
+            <a:avLst/>
+          </a:prstGeom>
+        </p:spPr>
+      </p:pic>
+      <p:pic>
+        <p:nvPicPr>
+          <p:cNvPr id="15" name="Picture 14" descr="latex-image-1.pdf"/>
+          <p:cNvPicPr>
+            <a:picLocks noChangeAspect="1"/>
+          </p:cNvPicPr>
+          <p:nvPr/>
+        </p:nvPicPr>
+        <p:blipFill>
+          <a:blip r:embed="rId6">
+            <a:extLst>
+              <a:ext uri="{28A0092B-C50C-407E-A947-70E740481C1C}">
+                <a14:useLocalDpi xmlns:a14="http://schemas.microsoft.com/office/drawing/2010/main" val="0"/>
+              </a:ext>
+            </a:extLst>
+          </a:blip>
+          <a:stretch>
+            <a:fillRect/>
+          </a:stretch>
+        </p:blipFill>
+        <p:spPr>
+          <a:xfrm>
+            <a:off x="1975044" y="1488119"/>
+            <a:ext cx="171450" cy="161925"/>
+          </a:xfrm>
+          <a:prstGeom prst="rect">
+            <a:avLst/>
+          </a:prstGeom>
+        </p:spPr>
+      </p:pic>
+      <p:pic>
+        <p:nvPicPr>
+          <p:cNvPr id="16" name="Picture 15" descr="latex-image-1.pdf"/>
+          <p:cNvPicPr>
+            <a:picLocks noChangeAspect="1"/>
+          </p:cNvPicPr>
+          <p:nvPr/>
+        </p:nvPicPr>
+        <p:blipFill>
+          <a:blip r:embed="rId7">
+            <a:extLst>
+              <a:ext uri="{28A0092B-C50C-407E-A947-70E740481C1C}">
+                <a14:useLocalDpi xmlns:a14="http://schemas.microsoft.com/office/drawing/2010/main" val="0"/>
+              </a:ext>
+            </a:extLst>
+          </a:blip>
+          <a:stretch>
+            <a:fillRect/>
+          </a:stretch>
+        </p:blipFill>
+        <p:spPr>
+          <a:xfrm>
+            <a:off x="2393514" y="1187275"/>
+            <a:ext cx="171450" cy="180975"/>
+          </a:xfrm>
+          <a:prstGeom prst="rect">
+            <a:avLst/>
+          </a:prstGeom>
+        </p:spPr>
+      </p:pic>
+      <p:sp>
+        <p:nvSpPr>
+          <p:cNvPr id="17" name="Oval 16"/>
+          <p:cNvSpPr>
+            <a:spLocks noChangeAspect="1"/>
+          </p:cNvSpPr>
+          <p:nvPr/>
+        </p:nvSpPr>
+        <p:spPr>
+          <a:xfrm>
+            <a:off x="2025579" y="1801793"/>
+            <a:ext cx="56701" cy="56701"/>
+          </a:xfrm>
+          <a:prstGeom prst="ellipse">
+            <a:avLst/>
+          </a:prstGeom>
+          <a:solidFill>
+            <a:schemeClr val="tx1"/>
+          </a:solidFill>
+          <a:ln>
+            <a:solidFill>
+              <a:schemeClr val="tx1"/>
+            </a:solidFill>
+          </a:ln>
+        </p:spPr>
+        <p:style>
+          <a:lnRef idx="1">
+            <a:schemeClr val="accent1"/>
+          </a:lnRef>
+          <a:fillRef idx="3">
+            <a:schemeClr val="accent1"/>
+          </a:fillRef>
+          <a:effectRef idx="2">
+            <a:schemeClr val="accent1"/>
+          </a:effectRef>
+          <a:fontRef idx="minor">
+            <a:schemeClr val="lt1"/>
+          </a:fontRef>
+        </p:style>
+        <p:txBody>
+          <a:bodyPr rtlCol="0" anchor="ctr"/>
+          <a:lstStyle/>
+          <a:p>
+            <a:pPr algn="ctr"/>
+            <a:endParaRPr lang="en-US"/>
+          </a:p>
+        </p:txBody>
+      </p:sp>
+      <p:sp>
+        <p:nvSpPr>
+          <p:cNvPr id="18" name="Oval 17"/>
+          <p:cNvSpPr>
+            <a:spLocks noChangeAspect="1"/>
+          </p:cNvSpPr>
+          <p:nvPr/>
+        </p:nvSpPr>
+        <p:spPr>
+          <a:xfrm>
+            <a:off x="2177979" y="1623341"/>
+            <a:ext cx="56701" cy="56701"/>
+          </a:xfrm>
+          <a:prstGeom prst="ellipse">
+            <a:avLst/>
+          </a:prstGeom>
+          <a:solidFill>
+            <a:schemeClr val="tx1"/>
+          </a:solidFill>
+          <a:ln>
+            <a:solidFill>
+              <a:schemeClr val="tx1"/>
+            </a:solidFill>
+          </a:ln>
+        </p:spPr>
+        <p:style>
+          <a:lnRef idx="1">
+            <a:schemeClr val="accent1"/>
+          </a:lnRef>
+          <a:fillRef idx="3">
+            <a:schemeClr val="accent1"/>
+          </a:fillRef>
+          <a:effectRef idx="2">
+            <a:schemeClr val="accent1"/>
+          </a:effectRef>
+          <a:fontRef idx="minor">
+            <a:schemeClr val="lt1"/>
+          </a:fontRef>
+        </p:style>
+        <p:txBody>
+          <a:bodyPr rtlCol="0" anchor="ctr"/>
+          <a:lstStyle/>
+          <a:p>
+            <a:pPr algn="ctr"/>
+            <a:endParaRPr lang="en-US"/>
+          </a:p>
+        </p:txBody>
+      </p:sp>
+      <p:sp>
+        <p:nvSpPr>
+          <p:cNvPr id="19" name="Oval 18"/>
+          <p:cNvSpPr>
+            <a:spLocks noChangeAspect="1"/>
+          </p:cNvSpPr>
+          <p:nvPr/>
+        </p:nvSpPr>
+        <p:spPr>
+          <a:xfrm>
+            <a:off x="2330379" y="1431418"/>
+            <a:ext cx="56701" cy="56701"/>
+          </a:xfrm>
+          <a:prstGeom prst="ellipse">
+            <a:avLst/>
+          </a:prstGeom>
+          <a:solidFill>
+            <a:schemeClr val="tx1"/>
+          </a:solidFill>
+          <a:ln>
+            <a:solidFill>
+              <a:schemeClr val="tx1"/>
+            </a:solidFill>
+          </a:ln>
+        </p:spPr>
+        <p:style>
+          <a:lnRef idx="1">
+            <a:schemeClr val="accent1"/>
+          </a:lnRef>
+          <a:fillRef idx="3">
+            <a:schemeClr val="accent1"/>
+          </a:fillRef>
+          <a:effectRef idx="2">
+            <a:schemeClr val="accent1"/>
+          </a:effectRef>
+          <a:fontRef idx="minor">
+            <a:schemeClr val="lt1"/>
+          </a:fontRef>
+        </p:style>
+        <p:txBody>
+          <a:bodyPr rtlCol="0" anchor="ctr"/>
+          <a:lstStyle/>
+          <a:p>
+            <a:pPr algn="ctr"/>
+            <a:endParaRPr lang="en-US"/>
+          </a:p>
+        </p:txBody>
+      </p:sp>
+      <p:sp>
+        <p:nvSpPr>
+          <p:cNvPr id="20" name="Freeform 19"/>
+          <p:cNvSpPr/>
+          <p:nvPr/>
+        </p:nvSpPr>
+        <p:spPr>
+          <a:xfrm rot="8465343">
+            <a:off x="2924716" y="2132456"/>
+            <a:ext cx="601331" cy="132839"/>
+          </a:xfrm>
+          <a:custGeom>
+            <a:avLst/>
+            <a:gdLst>
+              <a:gd name="connsiteX0" fmla="*/ 0 w 536222"/>
+              <a:gd name="connsiteY0" fmla="*/ 0 h 338679"/>
+              <a:gd name="connsiteX1" fmla="*/ 239889 w 536222"/>
+              <a:gd name="connsiteY1" fmla="*/ 338667 h 338679"/>
+              <a:gd name="connsiteX2" fmla="*/ 536222 w 536222"/>
+              <a:gd name="connsiteY2" fmla="*/ 14111 h 338679"/>
+            </a:gdLst>
+            <a:ahLst/>
+            <a:cxnLst>
+              <a:cxn ang="0">
+                <a:pos x="connsiteX0" y="connsiteY0"/>
+              </a:cxn>
+              <a:cxn ang="0">
+                <a:pos x="connsiteX1" y="connsiteY1"/>
+              </a:cxn>
+              <a:cxn ang="0">
+                <a:pos x="connsiteX2" y="connsiteY2"/>
+              </a:cxn>
+            </a:cxnLst>
+            <a:rect l="l" t="t" r="r" b="b"/>
+            <a:pathLst>
+              <a:path w="536222" h="338679">
+                <a:moveTo>
+                  <a:pt x="0" y="0"/>
+                </a:moveTo>
+                <a:cubicBezTo>
+                  <a:pt x="75259" y="168157"/>
+                  <a:pt x="150519" y="336315"/>
+                  <a:pt x="239889" y="338667"/>
+                </a:cubicBezTo>
+                <a:cubicBezTo>
+                  <a:pt x="329259" y="341019"/>
+                  <a:pt x="536222" y="14111"/>
+                  <a:pt x="536222" y="14111"/>
+                </a:cubicBezTo>
+              </a:path>
+            </a:pathLst>
+          </a:custGeom>
+          <a:ln>
+            <a:headEnd type="none"/>
+            <a:tailEnd type="triangle"/>
+          </a:ln>
+        </p:spPr>
+        <p:style>
+          <a:lnRef idx="2">
+            <a:schemeClr val="dk1"/>
+          </a:lnRef>
+          <a:fillRef idx="0">
+            <a:schemeClr val="dk1"/>
+          </a:fillRef>
+          <a:effectRef idx="1">
+            <a:schemeClr val="dk1"/>
+          </a:effectRef>
+          <a:fontRef idx="minor">
+            <a:schemeClr val="tx1"/>
+          </a:fontRef>
+        </p:style>
+        <p:txBody>
+          <a:bodyPr rtlCol="0" anchor="ctr"/>
+          <a:lstStyle/>
+          <a:p>
+            <a:pPr algn="ctr"/>
+            <a:endParaRPr lang="en-US"/>
+          </a:p>
+        </p:txBody>
+      </p:sp>
+      <p:pic>
+        <p:nvPicPr>
+          <p:cNvPr id="21" name="Picture 20" descr="latex-image-1.pdf"/>
+          <p:cNvPicPr>
+            <a:picLocks noChangeAspect="1"/>
+          </p:cNvPicPr>
+          <p:nvPr/>
+        </p:nvPicPr>
+        <p:blipFill>
+          <a:blip r:embed="rId8">
+            <a:extLst>
+              <a:ext uri="{28A0092B-C50C-407E-A947-70E740481C1C}">
+                <a14:useLocalDpi xmlns:a14="http://schemas.microsoft.com/office/drawing/2010/main" val="0"/>
+              </a:ext>
+            </a:extLst>
+          </a:blip>
+          <a:stretch>
+            <a:fillRect/>
+          </a:stretch>
+        </p:blipFill>
+        <p:spPr>
+          <a:xfrm>
+            <a:off x="3218862" y="2677329"/>
+            <a:ext cx="190500" cy="161925"/>
+          </a:xfrm>
+          <a:prstGeom prst="rect">
+            <a:avLst/>
+          </a:prstGeom>
+        </p:spPr>
+      </p:pic>
+      <p:pic>
+        <p:nvPicPr>
+          <p:cNvPr id="22" name="Picture 21" descr="latex-image-1.pdf"/>
+          <p:cNvPicPr>
+            <a:picLocks noChangeAspect="1"/>
+          </p:cNvPicPr>
+          <p:nvPr/>
+        </p:nvPicPr>
+        <p:blipFill>
+          <a:blip r:embed="rId9">
+            <a:extLst>
+              <a:ext uri="{28A0092B-C50C-407E-A947-70E740481C1C}">
+                <a14:useLocalDpi xmlns:a14="http://schemas.microsoft.com/office/drawing/2010/main" val="0"/>
+              </a:ext>
+            </a:extLst>
+          </a:blip>
+          <a:stretch>
+            <a:fillRect/>
+          </a:stretch>
+        </p:blipFill>
+        <p:spPr>
+          <a:xfrm>
+            <a:off x="3409362" y="2375537"/>
+            <a:ext cx="171450" cy="161925"/>
+          </a:xfrm>
+          <a:prstGeom prst="rect">
+            <a:avLst/>
+          </a:prstGeom>
+        </p:spPr>
+      </p:pic>
+      <p:cxnSp>
+        <p:nvCxnSpPr>
+          <p:cNvPr id="23" name="Straight Arrow Connector 22"/>
+          <p:cNvCxnSpPr/>
+          <p:nvPr/>
+        </p:nvCxnSpPr>
+        <p:spPr>
+          <a:xfrm flipH="1">
+            <a:off x="3492585" y="2323413"/>
+            <a:ext cx="351796" cy="429920"/>
+          </a:xfrm>
+          <a:prstGeom prst="straightConnector1">
+            <a:avLst/>
+          </a:prstGeom>
+          <a:ln>
+            <a:headEnd type="none"/>
+            <a:tailEnd type="none"/>
+          </a:ln>
+        </p:spPr>
+        <p:style>
+          <a:lnRef idx="2">
+            <a:schemeClr val="dk1"/>
+          </a:lnRef>
+          <a:fillRef idx="0">
+            <a:schemeClr val="dk1"/>
+          </a:fillRef>
+          <a:effectRef idx="1">
+            <a:schemeClr val="dk1"/>
+          </a:effectRef>
+          <a:fontRef idx="minor">
+            <a:schemeClr val="tx1"/>
+          </a:fontRef>
+        </p:style>
+      </p:cxnSp>
+      <p:sp>
+        <p:nvSpPr>
+          <p:cNvPr id="24" name="Oval 23"/>
+          <p:cNvSpPr>
+            <a:spLocks noChangeAspect="1"/>
+          </p:cNvSpPr>
+          <p:nvPr/>
+        </p:nvSpPr>
+        <p:spPr>
+          <a:xfrm>
+            <a:off x="3489146" y="2696632"/>
+            <a:ext cx="56701" cy="56701"/>
+          </a:xfrm>
+          <a:prstGeom prst="ellipse">
+            <a:avLst/>
+          </a:prstGeom>
+          <a:solidFill>
+            <a:schemeClr val="tx1"/>
+          </a:solidFill>
+          <a:ln>
+            <a:solidFill>
+              <a:schemeClr val="tx1"/>
+            </a:solidFill>
+          </a:ln>
+        </p:spPr>
+        <p:style>
+          <a:lnRef idx="1">
+            <a:schemeClr val="accent1"/>
+          </a:lnRef>
+          <a:fillRef idx="3">
+            <a:schemeClr val="accent1"/>
+          </a:fillRef>
+          <a:effectRef idx="2">
+            <a:schemeClr val="accent1"/>
+          </a:effectRef>
+          <a:fontRef idx="minor">
+            <a:schemeClr val="lt1"/>
+          </a:fontRef>
+        </p:style>
+        <p:txBody>
+          <a:bodyPr rtlCol="0" anchor="ctr"/>
+          <a:lstStyle/>
+          <a:p>
+            <a:pPr algn="ctr"/>
+            <a:endParaRPr lang="en-US"/>
+          </a:p>
+        </p:txBody>
+      </p:sp>
+      <p:sp>
+        <p:nvSpPr>
+          <p:cNvPr id="25" name="Oval 24"/>
+          <p:cNvSpPr>
+            <a:spLocks noChangeAspect="1"/>
+          </p:cNvSpPr>
+          <p:nvPr/>
+        </p:nvSpPr>
+        <p:spPr>
+          <a:xfrm>
+            <a:off x="3641546" y="2518180"/>
+            <a:ext cx="56701" cy="56701"/>
+          </a:xfrm>
+          <a:prstGeom prst="ellipse">
+            <a:avLst/>
+          </a:prstGeom>
+          <a:solidFill>
+            <a:schemeClr val="tx1"/>
+          </a:solidFill>
+          <a:ln>
+            <a:solidFill>
+              <a:schemeClr val="tx1"/>
+            </a:solidFill>
+          </a:ln>
+        </p:spPr>
+        <p:style>
+          <a:lnRef idx="1">
+            <a:schemeClr val="accent1"/>
+          </a:lnRef>
+          <a:fillRef idx="3">
+            <a:schemeClr val="accent1"/>
+          </a:fillRef>
+          <a:effectRef idx="2">
+            <a:schemeClr val="accent1"/>
+          </a:effectRef>
+          <a:fontRef idx="minor">
+            <a:schemeClr val="lt1"/>
+          </a:fontRef>
+        </p:style>
+        <p:txBody>
+          <a:bodyPr rtlCol="0" anchor="ctr"/>
+          <a:lstStyle/>
+          <a:p>
+            <a:pPr algn="ctr"/>
+            <a:endParaRPr lang="en-US"/>
+          </a:p>
+        </p:txBody>
+      </p:sp>
+      <p:sp>
+        <p:nvSpPr>
+          <p:cNvPr id="26" name="Oval 25"/>
+          <p:cNvSpPr>
+            <a:spLocks noChangeAspect="1"/>
+          </p:cNvSpPr>
+          <p:nvPr/>
+        </p:nvSpPr>
+        <p:spPr>
+          <a:xfrm>
+            <a:off x="3793946" y="2326257"/>
+            <a:ext cx="56701" cy="56701"/>
+          </a:xfrm>
+          <a:prstGeom prst="ellipse">
+            <a:avLst/>
+          </a:prstGeom>
+          <a:solidFill>
+            <a:schemeClr val="tx1"/>
+          </a:solidFill>
+          <a:ln>
+            <a:solidFill>
+              <a:schemeClr val="tx1"/>
+            </a:solidFill>
+          </a:ln>
+        </p:spPr>
+        <p:style>
+          <a:lnRef idx="1">
+            <a:schemeClr val="accent1"/>
+          </a:lnRef>
+          <a:fillRef idx="3">
+            <a:schemeClr val="accent1"/>
+          </a:fillRef>
+          <a:effectRef idx="2">
+            <a:schemeClr val="accent1"/>
+          </a:effectRef>
+          <a:fontRef idx="minor">
+            <a:schemeClr val="lt1"/>
+          </a:fontRef>
+        </p:style>
+        <p:txBody>
+          <a:bodyPr rtlCol="0" anchor="ctr"/>
+          <a:lstStyle/>
+          <a:p>
+            <a:pPr algn="ctr"/>
+            <a:endParaRPr lang="en-US"/>
+          </a:p>
+        </p:txBody>
+      </p:sp>
+      <p:pic>
+        <p:nvPicPr>
+          <p:cNvPr id="27" name="Picture 26" descr="latex-image-1.pdf"/>
+          <p:cNvPicPr>
+            <a:picLocks noChangeAspect="1"/>
+          </p:cNvPicPr>
+          <p:nvPr/>
+        </p:nvPicPr>
+        <p:blipFill>
+          <a:blip r:embed="rId10">
+            <a:extLst>
+              <a:ext uri="{28A0092B-C50C-407E-A947-70E740481C1C}">
+                <a14:useLocalDpi xmlns:a14="http://schemas.microsoft.com/office/drawing/2010/main" val="0"/>
+              </a:ext>
+            </a:extLst>
+          </a:blip>
+          <a:stretch>
+            <a:fillRect/>
+          </a:stretch>
+        </p:blipFill>
+        <p:spPr>
+          <a:xfrm>
+            <a:off x="3603564" y="2079613"/>
+            <a:ext cx="171450" cy="161925"/>
+          </a:xfrm>
+          <a:prstGeom prst="rect">
+            <a:avLst/>
+          </a:prstGeom>
+        </p:spPr>
+      </p:pic>
+      <p:grpSp>
+        <p:nvGrpSpPr>
+          <p:cNvPr id="28" name="Group 27"/>
+          <p:cNvGrpSpPr/>
+          <p:nvPr/>
+        </p:nvGrpSpPr>
+        <p:grpSpPr>
+          <a:xfrm>
+            <a:off x="3530075" y="2720344"/>
+            <a:ext cx="2364515" cy="1262246"/>
+            <a:chOff x="3436579" y="4155359"/>
+            <a:chExt cx="2364515" cy="1262246"/>
+          </a:xfrm>
+        </p:grpSpPr>
+        <p:cxnSp>
+          <p:nvCxnSpPr>
+            <p:cNvPr id="29" name="Straight Arrow Connector 28"/>
+            <p:cNvCxnSpPr/>
+            <p:nvPr/>
+          </p:nvCxnSpPr>
+          <p:spPr>
+            <a:xfrm flipH="1" flipV="1">
+              <a:off x="3436579" y="4175169"/>
+              <a:ext cx="2022886" cy="1242436"/>
+            </a:xfrm>
+            <a:prstGeom prst="straightConnector1">
+              <a:avLst/>
+            </a:prstGeom>
+            <a:ln>
+              <a:solidFill>
+                <a:schemeClr val="bg1">
+                  <a:lumMod val="50000"/>
+                </a:schemeClr>
+              </a:solidFill>
+              <a:prstDash val="dot"/>
+              <a:headEnd type="none"/>
+              <a:tailEnd type="none"/>
+            </a:ln>
+          </p:spPr>
+          <p:style>
+            <a:lnRef idx="2">
+              <a:schemeClr val="dk1"/>
+            </a:lnRef>
+            <a:fillRef idx="0">
+              <a:schemeClr val="dk1"/>
+            </a:fillRef>
+            <a:effectRef idx="1">
+              <a:schemeClr val="dk1"/>
+            </a:effectRef>
+            <a:fontRef idx="minor">
+              <a:schemeClr val="tx1"/>
+            </a:fontRef>
+          </p:style>
+        </p:cxnSp>
+        <p:cxnSp>
+          <p:nvCxnSpPr>
+            <p:cNvPr id="30" name="Straight Arrow Connector 29"/>
+            <p:cNvCxnSpPr/>
+            <p:nvPr/>
+          </p:nvCxnSpPr>
+          <p:spPr>
+            <a:xfrm flipH="1" flipV="1">
+              <a:off x="3851861" y="4165599"/>
+              <a:ext cx="1801526" cy="1106478"/>
+            </a:xfrm>
+            <a:prstGeom prst="straightConnector1">
+              <a:avLst/>
+            </a:prstGeom>
+            <a:ln>
+              <a:solidFill>
+                <a:schemeClr val="bg1">
+                  <a:lumMod val="50000"/>
+                </a:schemeClr>
+              </a:solidFill>
+              <a:prstDash val="dot"/>
+              <a:headEnd type="none"/>
+              <a:tailEnd type="none"/>
+            </a:ln>
+          </p:spPr>
+          <p:style>
+            <a:lnRef idx="2">
+              <a:schemeClr val="dk1"/>
+            </a:lnRef>
+            <a:fillRef idx="0">
+              <a:schemeClr val="dk1"/>
+            </a:fillRef>
+            <a:effectRef idx="1">
+              <a:schemeClr val="dk1"/>
+            </a:effectRef>
+            <a:fontRef idx="minor">
+              <a:schemeClr val="tx1"/>
+            </a:fontRef>
+          </p:style>
+        </p:cxnSp>
+        <p:cxnSp>
+          <p:nvCxnSpPr>
+            <p:cNvPr id="31" name="Straight Arrow Connector 30"/>
+            <p:cNvCxnSpPr/>
+            <p:nvPr/>
+          </p:nvCxnSpPr>
+          <p:spPr>
+            <a:xfrm flipH="1" flipV="1">
+              <a:off x="4303278" y="4155359"/>
+              <a:ext cx="1497816" cy="919943"/>
+            </a:xfrm>
+            <a:prstGeom prst="straightConnector1">
+              <a:avLst/>
+            </a:prstGeom>
+            <a:ln>
+              <a:solidFill>
+                <a:schemeClr val="bg1">
+                  <a:lumMod val="50000"/>
+                </a:schemeClr>
+              </a:solidFill>
+              <a:prstDash val="dot"/>
+              <a:headEnd type="none"/>
+              <a:tailEnd type="none"/>
+            </a:ln>
+          </p:spPr>
+          <p:style>
+            <a:lnRef idx="2">
+              <a:schemeClr val="dk1"/>
+            </a:lnRef>
+            <a:fillRef idx="0">
+              <a:schemeClr val="dk1"/>
+            </a:fillRef>
+            <a:effectRef idx="1">
+              <a:schemeClr val="dk1"/>
+            </a:effectRef>
+            <a:fontRef idx="minor">
+              <a:schemeClr val="tx1"/>
+            </a:fontRef>
+          </p:style>
+        </p:cxnSp>
+      </p:grpSp>
+      <p:pic>
+        <p:nvPicPr>
+          <p:cNvPr id="32" name="Picture 31" descr="latex-image-1.pdf"/>
+          <p:cNvPicPr>
+            <a:picLocks noChangeAspect="1"/>
+          </p:cNvPicPr>
+          <p:nvPr/>
+        </p:nvPicPr>
+        <p:blipFill>
+          <a:blip r:embed="rId11">
+            <a:extLst>
+              <a:ext uri="{28A0092B-C50C-407E-A947-70E740481C1C}">
+                <a14:useLocalDpi xmlns:a14="http://schemas.microsoft.com/office/drawing/2010/main" val="0"/>
+              </a:ext>
+            </a:extLst>
+          </a:blip>
+          <a:stretch>
+            <a:fillRect/>
+          </a:stretch>
+        </p:blipFill>
+        <p:spPr>
+          <a:xfrm>
+            <a:off x="4037075" y="3232317"/>
+            <a:ext cx="171450" cy="180975"/>
+          </a:xfrm>
+          <a:prstGeom prst="rect">
+            <a:avLst/>
+          </a:prstGeom>
+        </p:spPr>
+      </p:pic>
+      <p:pic>
+        <p:nvPicPr>
+          <p:cNvPr id="33" name="Picture 32" descr="latex-image-1.pdf"/>
+          <p:cNvPicPr>
+            <a:picLocks noChangeAspect="1"/>
+          </p:cNvPicPr>
+          <p:nvPr/>
+        </p:nvPicPr>
+        <p:blipFill>
+          <a:blip r:embed="rId12">
+            <a:extLst>
+              <a:ext uri="{28A0092B-C50C-407E-A947-70E740481C1C}">
+                <a14:useLocalDpi xmlns:a14="http://schemas.microsoft.com/office/drawing/2010/main" val="0"/>
+              </a:ext>
+            </a:extLst>
+          </a:blip>
+          <a:stretch>
+            <a:fillRect/>
+          </a:stretch>
+        </p:blipFill>
+        <p:spPr>
+          <a:xfrm>
+            <a:off x="4240833" y="2839254"/>
+            <a:ext cx="200025" cy="161925"/>
+          </a:xfrm>
+          <a:prstGeom prst="rect">
+            <a:avLst/>
+          </a:prstGeom>
+        </p:spPr>
+      </p:pic>
+      <p:pic>
+        <p:nvPicPr>
+          <p:cNvPr id="34" name="Picture 33" descr="latex-image-1.pdf"/>
+          <p:cNvPicPr>
+            <a:picLocks noChangeAspect="1"/>
+          </p:cNvPicPr>
+          <p:nvPr/>
+        </p:nvPicPr>
+        <p:blipFill>
+          <a:blip r:embed="rId13">
+            <a:extLst>
+              <a:ext uri="{28A0092B-C50C-407E-A947-70E740481C1C}">
+                <a14:useLocalDpi xmlns:a14="http://schemas.microsoft.com/office/drawing/2010/main" val="0"/>
+              </a:ext>
+            </a:extLst>
+          </a:blip>
+          <a:stretch>
+            <a:fillRect/>
+          </a:stretch>
+        </p:blipFill>
+        <p:spPr>
+          <a:xfrm>
+            <a:off x="4391665" y="2493918"/>
+            <a:ext cx="114300" cy="161925"/>
+          </a:xfrm>
+          <a:prstGeom prst="rect">
+            <a:avLst/>
+          </a:prstGeom>
+        </p:spPr>
+      </p:pic>
+      <p:sp>
+        <p:nvSpPr>
+          <p:cNvPr id="35" name="Oval 34"/>
+          <p:cNvSpPr>
+            <a:spLocks noChangeAspect="1"/>
+          </p:cNvSpPr>
+          <p:nvPr/>
+        </p:nvSpPr>
+        <p:spPr>
+          <a:xfrm>
+            <a:off x="4072660" y="3067773"/>
+            <a:ext cx="56701" cy="56701"/>
+          </a:xfrm>
+          <a:prstGeom prst="ellipse">
+            <a:avLst/>
+          </a:prstGeom>
+          <a:solidFill>
+            <a:schemeClr val="tx1"/>
+          </a:solidFill>
+          <a:ln>
+            <a:solidFill>
+              <a:schemeClr val="tx1"/>
+            </a:solidFill>
+          </a:ln>
+        </p:spPr>
+        <p:style>
+          <a:lnRef idx="1">
+            <a:schemeClr val="accent1"/>
+          </a:lnRef>
+          <a:fillRef idx="3">
+            <a:schemeClr val="accent1"/>
+          </a:fillRef>
+          <a:effectRef idx="2">
+            <a:schemeClr val="accent1"/>
+          </a:effectRef>
+          <a:fontRef idx="minor">
+            <a:schemeClr val="lt1"/>
+          </a:fontRef>
+        </p:style>
+        <p:txBody>
+          <a:bodyPr rtlCol="0" anchor="ctr"/>
+          <a:lstStyle/>
+          <a:p>
+            <a:pPr algn="ctr"/>
+            <a:endParaRPr lang="en-US"/>
+          </a:p>
+        </p:txBody>
+      </p:sp>
+      <p:sp>
+        <p:nvSpPr>
+          <p:cNvPr id="36" name="Oval 35"/>
+          <p:cNvSpPr>
+            <a:spLocks noChangeAspect="1"/>
+          </p:cNvSpPr>
+          <p:nvPr/>
+        </p:nvSpPr>
+        <p:spPr>
+          <a:xfrm>
+            <a:off x="4254078" y="2887251"/>
+            <a:ext cx="56701" cy="56701"/>
+          </a:xfrm>
+          <a:prstGeom prst="ellipse">
+            <a:avLst/>
+          </a:prstGeom>
+          <a:solidFill>
+            <a:schemeClr val="tx1"/>
+          </a:solidFill>
+          <a:ln>
+            <a:solidFill>
+              <a:schemeClr val="tx1"/>
+            </a:solidFill>
+          </a:ln>
+        </p:spPr>
+        <p:style>
+          <a:lnRef idx="1">
+            <a:schemeClr val="accent1"/>
+          </a:lnRef>
+          <a:fillRef idx="3">
+            <a:schemeClr val="accent1"/>
+          </a:fillRef>
+          <a:effectRef idx="2">
+            <a:schemeClr val="accent1"/>
+          </a:effectRef>
+          <a:fontRef idx="minor">
+            <a:schemeClr val="lt1"/>
+          </a:fontRef>
+        </p:style>
+        <p:txBody>
+          <a:bodyPr rtlCol="0" anchor="ctr"/>
+          <a:lstStyle/>
+          <a:p>
+            <a:pPr algn="ctr"/>
+            <a:endParaRPr lang="en-US"/>
+          </a:p>
+        </p:txBody>
+      </p:sp>
+      <p:sp>
+        <p:nvSpPr>
+          <p:cNvPr id="37" name="Oval 36"/>
+          <p:cNvSpPr>
+            <a:spLocks noChangeAspect="1"/>
+          </p:cNvSpPr>
+          <p:nvPr/>
+        </p:nvSpPr>
+        <p:spPr>
+          <a:xfrm flipV="1">
+            <a:off x="4080634" y="2332604"/>
+            <a:ext cx="56701" cy="56701"/>
+          </a:xfrm>
+          <a:prstGeom prst="ellipse">
+            <a:avLst/>
+          </a:prstGeom>
+          <a:solidFill>
+            <a:schemeClr val="tx1"/>
+          </a:solidFill>
+          <a:ln>
+            <a:solidFill>
+              <a:schemeClr val="tx1"/>
+            </a:solidFill>
+          </a:ln>
+        </p:spPr>
+        <p:style>
+          <a:lnRef idx="1">
+            <a:schemeClr val="accent1"/>
+          </a:lnRef>
+          <a:fillRef idx="3">
+            <a:schemeClr val="accent1"/>
+          </a:fillRef>
+          <a:effectRef idx="2">
+            <a:schemeClr val="accent1"/>
+          </a:effectRef>
+          <a:fontRef idx="minor">
+            <a:schemeClr val="lt1"/>
+          </a:fontRef>
+        </p:style>
+        <p:txBody>
+          <a:bodyPr rtlCol="0" anchor="ctr"/>
+          <a:lstStyle/>
+          <a:p>
+            <a:pPr algn="ctr"/>
+            <a:endParaRPr lang="en-US"/>
+          </a:p>
+        </p:txBody>
+      </p:sp>
+      <p:sp>
+        <p:nvSpPr>
+          <p:cNvPr id="38" name="Oval 37"/>
+          <p:cNvSpPr>
+            <a:spLocks noChangeAspect="1"/>
+          </p:cNvSpPr>
+          <p:nvPr/>
+        </p:nvSpPr>
+        <p:spPr>
+          <a:xfrm flipV="1">
+            <a:off x="4240802" y="2518180"/>
+            <a:ext cx="56701" cy="56701"/>
+          </a:xfrm>
+          <a:prstGeom prst="ellipse">
+            <a:avLst/>
+          </a:prstGeom>
+          <a:solidFill>
+            <a:schemeClr val="tx1"/>
+          </a:solidFill>
+          <a:ln>
+            <a:solidFill>
+              <a:schemeClr val="tx1"/>
+            </a:solidFill>
+          </a:ln>
+        </p:spPr>
+        <p:style>
+          <a:lnRef idx="1">
+            <a:schemeClr val="accent1"/>
+          </a:lnRef>
+          <a:fillRef idx="3">
+            <a:schemeClr val="accent1"/>
+          </a:fillRef>
+          <a:effectRef idx="2">
+            <a:schemeClr val="accent1"/>
+          </a:effectRef>
+          <a:fontRef idx="minor">
+            <a:schemeClr val="lt1"/>
+          </a:fontRef>
+        </p:style>
+        <p:txBody>
+          <a:bodyPr rtlCol="0" anchor="ctr"/>
+          <a:lstStyle/>
+          <a:p>
+            <a:pPr algn="ctr"/>
+            <a:endParaRPr lang="en-US"/>
+          </a:p>
+        </p:txBody>
+      </p:sp>
+      <p:sp>
+        <p:nvSpPr>
+          <p:cNvPr id="39" name="Oval 38"/>
+          <p:cNvSpPr>
+            <a:spLocks noChangeAspect="1"/>
+          </p:cNvSpPr>
+          <p:nvPr/>
+        </p:nvSpPr>
+        <p:spPr>
+          <a:xfrm flipV="1">
+            <a:off x="4399834" y="2706134"/>
+            <a:ext cx="56701" cy="56701"/>
+          </a:xfrm>
+          <a:prstGeom prst="ellipse">
+            <a:avLst/>
+          </a:prstGeom>
+          <a:solidFill>
+            <a:schemeClr val="tx1"/>
+          </a:solidFill>
+          <a:ln>
+            <a:solidFill>
+              <a:schemeClr val="tx1"/>
+            </a:solidFill>
+          </a:ln>
+        </p:spPr>
+        <p:style>
+          <a:lnRef idx="1">
+            <a:schemeClr val="accent1"/>
+          </a:lnRef>
+          <a:fillRef idx="3">
+            <a:schemeClr val="accent1"/>
+          </a:fillRef>
+          <a:effectRef idx="2">
+            <a:schemeClr val="accent1"/>
+          </a:effectRef>
+          <a:fontRef idx="minor">
+            <a:schemeClr val="lt1"/>
+          </a:fontRef>
+        </p:style>
+        <p:txBody>
+          <a:bodyPr rtlCol="0" anchor="ctr"/>
+          <a:lstStyle/>
+          <a:p>
+            <a:pPr algn="ctr"/>
+            <a:endParaRPr lang="en-US"/>
+          </a:p>
+        </p:txBody>
+      </p:sp>
+      <p:cxnSp>
+        <p:nvCxnSpPr>
+          <p:cNvPr id="40" name="Straight Arrow Connector 39"/>
+          <p:cNvCxnSpPr/>
+          <p:nvPr/>
+        </p:nvCxnSpPr>
+        <p:spPr>
+          <a:xfrm flipH="1" flipV="1">
+            <a:off x="4097019" y="2332915"/>
+            <a:ext cx="351796" cy="429920"/>
+          </a:xfrm>
+          <a:prstGeom prst="straightConnector1">
+            <a:avLst/>
+          </a:prstGeom>
+          <a:ln>
+            <a:headEnd type="none"/>
+            <a:tailEnd type="none"/>
+          </a:ln>
+        </p:spPr>
+        <p:style>
+          <a:lnRef idx="2">
+            <a:schemeClr val="dk1"/>
+          </a:lnRef>
+          <a:fillRef idx="0">
+            <a:schemeClr val="dk1"/>
+          </a:fillRef>
+          <a:effectRef idx="1">
+            <a:schemeClr val="dk1"/>
+          </a:effectRef>
+          <a:fontRef idx="minor">
+            <a:schemeClr val="tx1"/>
+          </a:fontRef>
+        </p:style>
+      </p:cxnSp>
+      <p:cxnSp>
+        <p:nvCxnSpPr>
+          <p:cNvPr id="41" name="Straight Arrow Connector 40"/>
+          <p:cNvCxnSpPr/>
+          <p:nvPr/>
+        </p:nvCxnSpPr>
+        <p:spPr>
+          <a:xfrm flipH="1">
+            <a:off x="3534095" y="1481403"/>
+            <a:ext cx="2022886" cy="1242436"/>
+          </a:xfrm>
+          <a:prstGeom prst="straightConnector1">
+            <a:avLst/>
+          </a:prstGeom>
+          <a:ln w="12700" cmpd="sng">
+            <a:solidFill>
+              <a:srgbClr val="000000"/>
+            </a:solidFill>
+            <a:prstDash val="dot"/>
+            <a:headEnd type="none"/>
+            <a:tailEnd type="none"/>
+          </a:ln>
+        </p:spPr>
+        <p:style>
+          <a:lnRef idx="2">
+            <a:schemeClr val="dk1"/>
+          </a:lnRef>
+          <a:fillRef idx="0">
+            <a:schemeClr val="dk1"/>
+          </a:fillRef>
+          <a:effectRef idx="1">
+            <a:schemeClr val="dk1"/>
+          </a:effectRef>
+          <a:fontRef idx="minor">
+            <a:schemeClr val="tx1"/>
+          </a:fontRef>
+        </p:style>
+      </p:cxnSp>
+      <p:cxnSp>
+        <p:nvCxnSpPr>
+          <p:cNvPr id="42" name="Straight Arrow Connector 41"/>
+          <p:cNvCxnSpPr/>
+          <p:nvPr/>
+        </p:nvCxnSpPr>
+        <p:spPr>
+          <a:xfrm flipH="1">
+            <a:off x="3949377" y="1626931"/>
+            <a:ext cx="1801526" cy="1106478"/>
+          </a:xfrm>
+          <a:prstGeom prst="straightConnector1">
+            <a:avLst/>
+          </a:prstGeom>
+          <a:ln w="12700" cmpd="sng">
+            <a:solidFill>
+              <a:srgbClr val="000000"/>
+            </a:solidFill>
+            <a:prstDash val="dot"/>
+            <a:headEnd type="none"/>
+            <a:tailEnd type="none"/>
+          </a:ln>
+        </p:spPr>
+        <p:style>
+          <a:lnRef idx="2">
+            <a:schemeClr val="dk1"/>
+          </a:lnRef>
+          <a:fillRef idx="0">
+            <a:schemeClr val="dk1"/>
+          </a:fillRef>
+          <a:effectRef idx="1">
+            <a:schemeClr val="dk1"/>
+          </a:effectRef>
+          <a:fontRef idx="minor">
+            <a:schemeClr val="tx1"/>
+          </a:fontRef>
+        </p:style>
+      </p:cxnSp>
+      <p:cxnSp>
+        <p:nvCxnSpPr>
+          <p:cNvPr id="43" name="Straight Arrow Connector 42"/>
+          <p:cNvCxnSpPr/>
+          <p:nvPr/>
+        </p:nvCxnSpPr>
+        <p:spPr>
+          <a:xfrm flipH="1">
+            <a:off x="4400794" y="1823706"/>
+            <a:ext cx="1497816" cy="919943"/>
+          </a:xfrm>
+          <a:prstGeom prst="straightConnector1">
+            <a:avLst/>
+          </a:prstGeom>
+          <a:ln w="12700" cmpd="sng">
+            <a:solidFill>
+              <a:srgbClr val="000000"/>
+            </a:solidFill>
+            <a:prstDash val="dot"/>
+            <a:headEnd type="none"/>
+            <a:tailEnd type="none"/>
+          </a:ln>
+        </p:spPr>
+        <p:style>
+          <a:lnRef idx="2">
+            <a:schemeClr val="dk1"/>
+          </a:lnRef>
+          <a:fillRef idx="0">
+            <a:schemeClr val="dk1"/>
+          </a:fillRef>
+          <a:effectRef idx="1">
+            <a:schemeClr val="dk1"/>
+          </a:effectRef>
+          <a:fontRef idx="minor">
+            <a:schemeClr val="tx1"/>
+          </a:fontRef>
+        </p:style>
+      </p:cxnSp>
+      <p:pic>
+        <p:nvPicPr>
+          <p:cNvPr id="44" name="Picture 43" descr="latex-image-1.pdf"/>
+          <p:cNvPicPr>
+            <a:picLocks noChangeAspect="1"/>
+          </p:cNvPicPr>
+          <p:nvPr/>
+        </p:nvPicPr>
+        <p:blipFill>
+          <a:blip r:embed="rId14">
+            <a:extLst>
+              <a:ext uri="{28A0092B-C50C-407E-A947-70E740481C1C}">
+                <a14:useLocalDpi xmlns:a14="http://schemas.microsoft.com/office/drawing/2010/main" val="0"/>
+              </a:ext>
+            </a:extLst>
+          </a:blip>
+          <a:stretch>
+            <a:fillRect/>
+          </a:stretch>
+        </p:blipFill>
+        <p:spPr>
+          <a:xfrm>
+            <a:off x="4037075" y="2049547"/>
+            <a:ext cx="238125" cy="161925"/>
+          </a:xfrm>
+          <a:prstGeom prst="rect">
+            <a:avLst/>
+          </a:prstGeom>
+        </p:spPr>
+      </p:pic>
+      <p:pic>
+        <p:nvPicPr>
+          <p:cNvPr id="45" name="Picture 44" descr="latex-image-1.pdf"/>
+          <p:cNvPicPr>
+            <a:picLocks noChangeAspect="1"/>
+          </p:cNvPicPr>
+          <p:nvPr/>
+        </p:nvPicPr>
+        <p:blipFill>
+          <a:blip r:embed="rId15">
+            <a:extLst>
+              <a:ext uri="{28A0092B-C50C-407E-A947-70E740481C1C}">
+                <a14:useLocalDpi xmlns:a14="http://schemas.microsoft.com/office/drawing/2010/main" val="0"/>
+              </a:ext>
+            </a:extLst>
+          </a:blip>
+          <a:stretch>
+            <a:fillRect/>
+          </a:stretch>
+        </p:blipFill>
+        <p:spPr>
+          <a:xfrm>
+            <a:off x="4208525" y="2301995"/>
+            <a:ext cx="200025" cy="161925"/>
+          </a:xfrm>
+          <a:prstGeom prst="rect">
+            <a:avLst/>
+          </a:prstGeom>
+        </p:spPr>
+      </p:pic>
+      <p:sp>
+        <p:nvSpPr>
+          <p:cNvPr id="46" name="Arc 45"/>
+          <p:cNvSpPr/>
+          <p:nvPr/>
+        </p:nvSpPr>
+        <p:spPr>
+          <a:xfrm>
+            <a:off x="2823243" y="2029944"/>
+            <a:ext cx="1385282" cy="1385282"/>
+          </a:xfrm>
+          <a:prstGeom prst="arc">
+            <a:avLst>
+              <a:gd name="adj1" fmla="val 19316095"/>
+              <a:gd name="adj2" fmla="val 2570719"/>
+            </a:avLst>
+          </a:prstGeom>
+          <a:ln w="12700" cmpd="sng"/>
+        </p:spPr>
+        <p:style>
+          <a:lnRef idx="2">
+            <a:schemeClr val="accent1"/>
+          </a:lnRef>
+          <a:fillRef idx="0">
+            <a:schemeClr val="accent1"/>
+          </a:fillRef>
+          <a:effectRef idx="1">
+            <a:schemeClr val="accent1"/>
+          </a:effectRef>
+          <a:fontRef idx="minor">
+            <a:schemeClr val="tx1"/>
+          </a:fontRef>
+        </p:style>
+        <p:txBody>
+          <a:bodyPr rtlCol="0" anchor="ctr"/>
+          <a:lstStyle/>
+          <a:p>
+            <a:pPr algn="ctr"/>
+            <a:endParaRPr lang="en-US"/>
+          </a:p>
+        </p:txBody>
+      </p:sp>
+      <p:sp>
+        <p:nvSpPr>
+          <p:cNvPr id="47" name="Arc 46"/>
+          <p:cNvSpPr/>
+          <p:nvPr/>
+        </p:nvSpPr>
+        <p:spPr>
+          <a:xfrm>
+            <a:off x="3652401" y="2430883"/>
+            <a:ext cx="665242" cy="665242"/>
+          </a:xfrm>
+          <a:prstGeom prst="arc">
+            <a:avLst>
+              <a:gd name="adj1" fmla="val 19046134"/>
+              <a:gd name="adj2" fmla="val 2996383"/>
+            </a:avLst>
+          </a:prstGeom>
+          <a:ln w="12700" cmpd="sng"/>
+        </p:spPr>
+        <p:style>
+          <a:lnRef idx="2">
+            <a:schemeClr val="accent1"/>
+          </a:lnRef>
+          <a:fillRef idx="0">
+            <a:schemeClr val="accent1"/>
+          </a:fillRef>
+          <a:effectRef idx="1">
+            <a:schemeClr val="accent1"/>
+          </a:effectRef>
+          <a:fontRef idx="minor">
+            <a:schemeClr val="tx1"/>
+          </a:fontRef>
+        </p:style>
+        <p:txBody>
+          <a:bodyPr rtlCol="0" anchor="ctr"/>
+          <a:lstStyle/>
+          <a:p>
+            <a:pPr algn="ctr"/>
+            <a:endParaRPr lang="en-US"/>
+          </a:p>
+        </p:txBody>
+      </p:sp>
+      <p:pic>
+        <p:nvPicPr>
+          <p:cNvPr id="48" name="Picture 47" descr="latex-image-1.pdf"/>
+          <p:cNvPicPr>
+            <a:picLocks noChangeAspect="1"/>
+          </p:cNvPicPr>
+          <p:nvPr/>
+        </p:nvPicPr>
+        <p:blipFill>
+          <a:blip r:embed="rId16">
+            <a:extLst>
+              <a:ext uri="{28A0092B-C50C-407E-A947-70E740481C1C}">
+                <a14:useLocalDpi xmlns:a14="http://schemas.microsoft.com/office/drawing/2010/main" val="0"/>
+              </a:ext>
+            </a:extLst>
+          </a:blip>
+          <a:stretch>
+            <a:fillRect/>
+          </a:stretch>
+        </p:blipFill>
+        <p:spPr>
+          <a:xfrm>
+            <a:off x="3878682" y="2772502"/>
+            <a:ext cx="133350" cy="171450"/>
+          </a:xfrm>
+          <a:prstGeom prst="rect">
+            <a:avLst/>
+          </a:prstGeom>
+        </p:spPr>
+      </p:pic>
+      <p:sp>
+        <p:nvSpPr>
+          <p:cNvPr id="49" name="Oval 48"/>
+          <p:cNvSpPr>
+            <a:spLocks noChangeAspect="1"/>
+          </p:cNvSpPr>
+          <p:nvPr/>
+        </p:nvSpPr>
+        <p:spPr>
+          <a:xfrm>
+            <a:off x="3933821" y="2698555"/>
+            <a:ext cx="56701" cy="56701"/>
+          </a:xfrm>
+          <a:prstGeom prst="ellipse">
+            <a:avLst/>
+          </a:prstGeom>
+          <a:solidFill>
+            <a:schemeClr val="tx1"/>
+          </a:solidFill>
+          <a:ln>
+            <a:solidFill>
+              <a:schemeClr val="tx1"/>
+            </a:solidFill>
+          </a:ln>
+        </p:spPr>
+        <p:style>
+          <a:lnRef idx="1">
+            <a:schemeClr val="accent1"/>
+          </a:lnRef>
+          <a:fillRef idx="3">
+            <a:schemeClr val="accent1"/>
+          </a:fillRef>
+          <a:effectRef idx="2">
+            <a:schemeClr val="accent1"/>
+          </a:effectRef>
+          <a:fontRef idx="minor">
+            <a:schemeClr val="lt1"/>
+          </a:fontRef>
+        </p:style>
+        <p:txBody>
+          <a:bodyPr rtlCol="0" anchor="ctr"/>
+          <a:lstStyle/>
+          <a:p>
+            <a:pPr algn="ctr"/>
+            <a:endParaRPr lang="en-US"/>
+          </a:p>
+        </p:txBody>
+      </p:sp>
+      <p:sp>
+        <p:nvSpPr>
+          <p:cNvPr id="50" name="Freeform 49"/>
+          <p:cNvSpPr/>
+          <p:nvPr/>
+        </p:nvSpPr>
+        <p:spPr>
+          <a:xfrm rot="13215702">
+            <a:off x="3440400" y="1623423"/>
+            <a:ext cx="1126261" cy="225129"/>
+          </a:xfrm>
+          <a:custGeom>
+            <a:avLst/>
+            <a:gdLst>
+              <a:gd name="connsiteX0" fmla="*/ 0 w 536222"/>
+              <a:gd name="connsiteY0" fmla="*/ 0 h 338679"/>
+              <a:gd name="connsiteX1" fmla="*/ 239889 w 536222"/>
+              <a:gd name="connsiteY1" fmla="*/ 338667 h 338679"/>
+              <a:gd name="connsiteX2" fmla="*/ 536222 w 536222"/>
+              <a:gd name="connsiteY2" fmla="*/ 14111 h 338679"/>
+            </a:gdLst>
+            <a:ahLst/>
+            <a:cxnLst>
+              <a:cxn ang="0">
+                <a:pos x="connsiteX0" y="connsiteY0"/>
+              </a:cxn>
+              <a:cxn ang="0">
+                <a:pos x="connsiteX1" y="connsiteY1"/>
+              </a:cxn>
+              <a:cxn ang="0">
+                <a:pos x="connsiteX2" y="connsiteY2"/>
+              </a:cxn>
+            </a:cxnLst>
+            <a:rect l="l" t="t" r="r" b="b"/>
+            <a:pathLst>
+              <a:path w="536222" h="338679">
+                <a:moveTo>
+                  <a:pt x="0" y="0"/>
+                </a:moveTo>
+                <a:cubicBezTo>
+                  <a:pt x="75259" y="168157"/>
+                  <a:pt x="150519" y="336315"/>
+                  <a:pt x="239889" y="338667"/>
+                </a:cubicBezTo>
+                <a:cubicBezTo>
+                  <a:pt x="329259" y="341019"/>
+                  <a:pt x="536222" y="14111"/>
+                  <a:pt x="536222" y="14111"/>
+                </a:cubicBezTo>
+              </a:path>
+            </a:pathLst>
+          </a:custGeom>
+          <a:ln>
+            <a:headEnd type="triangle"/>
+            <a:tailEnd type="none"/>
+          </a:ln>
+        </p:spPr>
+        <p:style>
+          <a:lnRef idx="2">
+            <a:schemeClr val="dk1"/>
+          </a:lnRef>
+          <a:fillRef idx="0">
+            <a:schemeClr val="dk1"/>
+          </a:fillRef>
+          <a:effectRef idx="1">
+            <a:schemeClr val="dk1"/>
+          </a:effectRef>
+          <a:fontRef idx="minor">
+            <a:schemeClr val="tx1"/>
+          </a:fontRef>
+        </p:style>
+        <p:txBody>
+          <a:bodyPr rtlCol="0" anchor="ctr"/>
+          <a:lstStyle/>
+          <a:p>
+            <a:pPr algn="ctr"/>
+            <a:endParaRPr lang="en-US"/>
+          </a:p>
+        </p:txBody>
+      </p:sp>
+      <p:pic>
+        <p:nvPicPr>
+          <p:cNvPr id="51" name="Picture 50" descr="latex-image-1.pdf"/>
+          <p:cNvPicPr>
+            <a:picLocks noChangeAspect="1"/>
+          </p:cNvPicPr>
+          <p:nvPr/>
+        </p:nvPicPr>
+        <p:blipFill>
+          <a:blip r:embed="rId17">
+            <a:extLst>
+              <a:ext uri="{28A0092B-C50C-407E-A947-70E740481C1C}">
+                <a14:useLocalDpi xmlns:a14="http://schemas.microsoft.com/office/drawing/2010/main" val="0"/>
+              </a:ext>
+            </a:extLst>
+          </a:blip>
+          <a:stretch>
+            <a:fillRect/>
+          </a:stretch>
+        </p:blipFill>
+        <p:spPr>
+          <a:xfrm>
+            <a:off x="3030371" y="2003413"/>
+            <a:ext cx="123825" cy="152400"/>
+          </a:xfrm>
+          <a:prstGeom prst="rect">
+            <a:avLst/>
+          </a:prstGeom>
+        </p:spPr>
+      </p:pic>
+      <p:pic>
+        <p:nvPicPr>
+          <p:cNvPr id="52" name="Picture 51" descr="latex-image-1.pdf"/>
+          <p:cNvPicPr>
+            <a:picLocks noChangeAspect="1"/>
+          </p:cNvPicPr>
+          <p:nvPr/>
+        </p:nvPicPr>
+        <p:blipFill>
+          <a:blip r:embed="rId18">
+            <a:extLst>
+              <a:ext uri="{28A0092B-C50C-407E-A947-70E740481C1C}">
+                <a14:useLocalDpi xmlns:a14="http://schemas.microsoft.com/office/drawing/2010/main" val="0"/>
+              </a:ext>
+            </a:extLst>
+          </a:blip>
+          <a:stretch>
+            <a:fillRect/>
+          </a:stretch>
+        </p:blipFill>
+        <p:spPr>
+          <a:xfrm>
+            <a:off x="3912019" y="1288543"/>
+            <a:ext cx="200025" cy="285750"/>
+          </a:xfrm>
+          <a:prstGeom prst="rect">
+            <a:avLst/>
+          </a:prstGeom>
+        </p:spPr>
+      </p:pic>
+    </p:spTree>
+    <p:extLst>
+      <p:ext uri="{BB962C8B-B14F-4D97-AF65-F5344CB8AC3E}">
+        <p14:creationId xmlns:p14="http://schemas.microsoft.com/office/powerpoint/2010/main" val="2006795037"/>
+      </p:ext>
+    </p:extLst>
+  </p:cSld>
+  <p:clrMapOvr>
+    <a:masterClrMapping/>
+  </p:clrMapOvr>
+</p:sld>
+</file>
+
+<file path=ppt/slides/slide3.xml><?xml version="1.0" encoding="utf-8"?>
+<p:sld xmlns:a="http://schemas.openxmlformats.org/drawingml/2006/main" xmlns:r="http://schemas.openxmlformats.org/officeDocument/2006/relationships" xmlns:p="http://schemas.openxmlformats.org/presentationml/2006/main">
+  <p:cSld>
+    <p:spTree>
+      <p:nvGrpSpPr>
+        <p:cNvPr id="1" name=""/>
+        <p:cNvGrpSpPr/>
+        <p:nvPr/>
+      </p:nvGrpSpPr>
+      <p:grpSpPr>
+        <a:xfrm>
+          <a:off x="0" y="0"/>
+          <a:ext cx="0" cy="0"/>
+          <a:chOff x="0" y="0"/>
+          <a:chExt cx="0" cy="0"/>
+        </a:xfrm>
+      </p:grpSpPr>
+      <p:pic>
+        <p:nvPicPr>
+          <p:cNvPr id="4" name="Picture 3" descr="Screen Shot 2019-10-17 at 5.31.13 PM.png"/>
+          <p:cNvPicPr>
+            <a:picLocks noChangeAspect="1"/>
+          </p:cNvPicPr>
+          <p:nvPr/>
+        </p:nvPicPr>
+        <p:blipFill rotWithShape="1">
+          <a:blip r:embed="rId2">
+            <a:extLst>
+              <a:ext uri="{28A0092B-C50C-407E-A947-70E740481C1C}">
+                <a14:useLocalDpi xmlns:a14="http://schemas.microsoft.com/office/drawing/2010/main" val="0"/>
+              </a:ext>
+            </a:extLst>
+          </a:blip>
+          <a:srcRect l="10920" t="6426" r="4612" b="5670"/>
+          <a:stretch/>
+        </p:blipFill>
+        <p:spPr>
+          <a:xfrm>
+            <a:off x="1703294" y="971176"/>
+            <a:ext cx="6200588" cy="4945530"/>
+          </a:xfrm>
+          <a:prstGeom prst="rect">
+            <a:avLst/>
+          </a:prstGeom>
+        </p:spPr>
+      </p:pic>
+      <p:sp>
+        <p:nvSpPr>
+          <p:cNvPr id="5" name="Rectangle 4"/>
+          <p:cNvSpPr/>
+          <p:nvPr/>
+        </p:nvSpPr>
+        <p:spPr>
+          <a:xfrm>
+            <a:off x="1703294" y="4676589"/>
+            <a:ext cx="1736165" cy="1240118"/>
+          </a:xfrm>
+          <a:prstGeom prst="rect">
+            <a:avLst/>
+          </a:prstGeom>
+          <a:solidFill>
+            <a:schemeClr val="bg1"/>
+          </a:solidFill>
+          <a:ln>
+            <a:noFill/>
+          </a:ln>
+          <a:effectLst/>
+        </p:spPr>
+        <p:style>
+          <a:lnRef idx="1">
+            <a:schemeClr val="accent1"/>
+          </a:lnRef>
+          <a:fillRef idx="3">
+            <a:schemeClr val="accent1"/>
+          </a:fillRef>
+          <a:effectRef idx="2">
+            <a:schemeClr val="accent1"/>
+          </a:effectRef>
+          <a:fontRef idx="minor">
+            <a:schemeClr val="lt1"/>
+          </a:fontRef>
+        </p:style>
+        <p:txBody>
+          <a:bodyPr rtlCol="0" anchor="ctr"/>
+          <a:lstStyle/>
+          <a:p>
+            <a:pPr algn="ctr"/>
+            <a:endParaRPr lang="en-US"/>
+          </a:p>
+        </p:txBody>
+      </p:sp>
+    </p:spTree>
+    <p:extLst>
+      <p:ext uri="{BB962C8B-B14F-4D97-AF65-F5344CB8AC3E}">
+        <p14:creationId xmlns:p14="http://schemas.microsoft.com/office/powerpoint/2010/main" val="1650157407"/>
+      </p:ext>
+    </p:extLst>
+  </p:cSld>
+  <p:clrMapOvr>
+    <a:masterClrMapping/>
+  </p:clrMapOvr>
+</p:sld>
+</file>
+
+<file path=ppt/slides/slide4.xml><?xml version="1.0" encoding="utf-8"?>
+<p:sld xmlns:a="http://schemas.openxmlformats.org/drawingml/2006/main" xmlns:r="http://schemas.openxmlformats.org/officeDocument/2006/relationships" xmlns:p="http://schemas.openxmlformats.org/presentationml/2006/main">
+  <p:cSld>
+    <p:spTree>
+      <p:nvGrpSpPr>
+        <p:cNvPr id="1" name=""/>
+        <p:cNvGrpSpPr/>
+        <p:nvPr/>
+      </p:nvGrpSpPr>
+      <p:grpSpPr>
+        <a:xfrm>
+          <a:off x="0" y="0"/>
+          <a:ext cx="0" cy="0"/>
+          <a:chOff x="0" y="0"/>
+          <a:chExt cx="0" cy="0"/>
+        </a:xfrm>
+      </p:grpSpPr>
       <p:sp>
         <p:nvSpPr>
           <p:cNvPr id="6" name="Rectangle 5"/>
@@ -6406,7 +8430,7 @@
 </p:sld>
 </file>
 
-<file path=ppt/slides/slide3.xml><?xml version="1.0" encoding="utf-8"?>
+<file path=ppt/slides/slide5.xml><?xml version="1.0" encoding="utf-8"?>
 <p:sld xmlns:a="http://schemas.openxmlformats.org/drawingml/2006/main" xmlns:r="http://schemas.openxmlformats.org/officeDocument/2006/relationships" xmlns:p="http://schemas.openxmlformats.org/presentationml/2006/main">
   <p:cSld>
     <p:spTree>
@@ -6800,7 +8824,7 @@
 </p:sld>
 </file>
 
-<file path=ppt/slides/slide4.xml><?xml version="1.0" encoding="utf-8"?>
+<file path=ppt/slides/slide6.xml><?xml version="1.0" encoding="utf-8"?>
 <p:sld xmlns:a="http://schemas.openxmlformats.org/drawingml/2006/main" xmlns:r="http://schemas.openxmlformats.org/officeDocument/2006/relationships" xmlns:p="http://schemas.openxmlformats.org/presentationml/2006/main">
   <p:cSld>
     <p:spTree>
@@ -8209,7 +10233,7 @@
 </p:sld>
 </file>
 
-<file path=ppt/slides/slide5.xml><?xml version="1.0" encoding="utf-8"?>
+<file path=ppt/slides/slide7.xml><?xml version="1.0" encoding="utf-8"?>
 <p:sld xmlns:a="http://schemas.openxmlformats.org/drawingml/2006/main" xmlns:r="http://schemas.openxmlformats.org/officeDocument/2006/relationships" xmlns:p="http://schemas.openxmlformats.org/presentationml/2006/main">
   <p:cSld>
     <p:spTree>
@@ -9201,7 +11225,7 @@
 </p:sld>
 </file>
 
-<file path=ppt/slides/slide6.xml><?xml version="1.0" encoding="utf-8"?>
+<file path=ppt/slides/slide8.xml><?xml version="1.0" encoding="utf-8"?>
 <p:sld xmlns:a="http://schemas.openxmlformats.org/drawingml/2006/main" xmlns:r="http://schemas.openxmlformats.org/officeDocument/2006/relationships" xmlns:p="http://schemas.openxmlformats.org/presentationml/2006/main">
   <p:cSld>
     <p:spTree>

--- a/figures/Presentation1.pptx
+++ b/figures/Presentation1.pptx
@@ -8,11 +8,13 @@
     <p:sldId id="256" r:id="rId2"/>
     <p:sldId id="262" r:id="rId3"/>
     <p:sldId id="263" r:id="rId4"/>
-    <p:sldId id="257" r:id="rId5"/>
-    <p:sldId id="258" r:id="rId6"/>
-    <p:sldId id="259" r:id="rId7"/>
-    <p:sldId id="260" r:id="rId8"/>
-    <p:sldId id="261" r:id="rId9"/>
+    <p:sldId id="264" r:id="rId5"/>
+    <p:sldId id="265" r:id="rId6"/>
+    <p:sldId id="257" r:id="rId7"/>
+    <p:sldId id="258" r:id="rId8"/>
+    <p:sldId id="259" r:id="rId9"/>
+    <p:sldId id="260" r:id="rId10"/>
+    <p:sldId id="261" r:id="rId11"/>
   </p:sldIdLst>
   <p:sldSz cx="9144000" cy="6858000" type="screen4x3"/>
   <p:notesSz cx="6858000" cy="9144000"/>
@@ -295,7 +297,7 @@
           <a:p>
             <a:fld id="{4CE30908-043F-3C4E-89AC-DEDB4399F0D5}" type="datetimeFigureOut">
               <a:rPr lang="en-US" smtClean="0"/>
-              <a:t>17/10/19</a:t>
+              <a:t>17/11/19</a:t>
             </a:fld>
             <a:endParaRPr lang="en-US"/>
           </a:p>
@@ -465,7 +467,7 @@
           <a:p>
             <a:fld id="{4CE30908-043F-3C4E-89AC-DEDB4399F0D5}" type="datetimeFigureOut">
               <a:rPr lang="en-US" smtClean="0"/>
-              <a:t>17/10/19</a:t>
+              <a:t>17/11/19</a:t>
             </a:fld>
             <a:endParaRPr lang="en-US"/>
           </a:p>
@@ -645,7 +647,7 @@
           <a:p>
             <a:fld id="{4CE30908-043F-3C4E-89AC-DEDB4399F0D5}" type="datetimeFigureOut">
               <a:rPr lang="en-US" smtClean="0"/>
-              <a:t>17/10/19</a:t>
+              <a:t>17/11/19</a:t>
             </a:fld>
             <a:endParaRPr lang="en-US"/>
           </a:p>
@@ -815,7 +817,7 @@
           <a:p>
             <a:fld id="{4CE30908-043F-3C4E-89AC-DEDB4399F0D5}" type="datetimeFigureOut">
               <a:rPr lang="en-US" smtClean="0"/>
-              <a:t>17/10/19</a:t>
+              <a:t>17/11/19</a:t>
             </a:fld>
             <a:endParaRPr lang="en-US"/>
           </a:p>
@@ -1061,7 +1063,7 @@
           <a:p>
             <a:fld id="{4CE30908-043F-3C4E-89AC-DEDB4399F0D5}" type="datetimeFigureOut">
               <a:rPr lang="en-US" smtClean="0"/>
-              <a:t>17/10/19</a:t>
+              <a:t>17/11/19</a:t>
             </a:fld>
             <a:endParaRPr lang="en-US"/>
           </a:p>
@@ -1349,7 +1351,7 @@
           <a:p>
             <a:fld id="{4CE30908-043F-3C4E-89AC-DEDB4399F0D5}" type="datetimeFigureOut">
               <a:rPr lang="en-US" smtClean="0"/>
-              <a:t>17/10/19</a:t>
+              <a:t>17/11/19</a:t>
             </a:fld>
             <a:endParaRPr lang="en-US"/>
           </a:p>
@@ -1771,7 +1773,7 @@
           <a:p>
             <a:fld id="{4CE30908-043F-3C4E-89AC-DEDB4399F0D5}" type="datetimeFigureOut">
               <a:rPr lang="en-US" smtClean="0"/>
-              <a:t>17/10/19</a:t>
+              <a:t>17/11/19</a:t>
             </a:fld>
             <a:endParaRPr lang="en-US"/>
           </a:p>
@@ -1889,7 +1891,7 @@
           <a:p>
             <a:fld id="{4CE30908-043F-3C4E-89AC-DEDB4399F0D5}" type="datetimeFigureOut">
               <a:rPr lang="en-US" smtClean="0"/>
-              <a:t>17/10/19</a:t>
+              <a:t>17/11/19</a:t>
             </a:fld>
             <a:endParaRPr lang="en-US"/>
           </a:p>
@@ -1984,7 +1986,7 @@
           <a:p>
             <a:fld id="{4CE30908-043F-3C4E-89AC-DEDB4399F0D5}" type="datetimeFigureOut">
               <a:rPr lang="en-US" smtClean="0"/>
-              <a:t>17/10/19</a:t>
+              <a:t>17/11/19</a:t>
             </a:fld>
             <a:endParaRPr lang="en-US"/>
           </a:p>
@@ -2261,7 +2263,7 @@
           <a:p>
             <a:fld id="{4CE30908-043F-3C4E-89AC-DEDB4399F0D5}" type="datetimeFigureOut">
               <a:rPr lang="en-US" smtClean="0"/>
-              <a:t>17/10/19</a:t>
+              <a:t>17/11/19</a:t>
             </a:fld>
             <a:endParaRPr lang="en-US"/>
           </a:p>
@@ -2514,7 +2516,7 @@
           <a:p>
             <a:fld id="{4CE30908-043F-3C4E-89AC-DEDB4399F0D5}" type="datetimeFigureOut">
               <a:rPr lang="en-US" smtClean="0"/>
-              <a:t>17/10/19</a:t>
+              <a:t>17/11/19</a:t>
             </a:fld>
             <a:endParaRPr lang="en-US"/>
           </a:p>
@@ -2727,7 +2729,7 @@
           <a:p>
             <a:fld id="{4CE30908-043F-3C4E-89AC-DEDB4399F0D5}" type="datetimeFigureOut">
               <a:rPr lang="en-US" smtClean="0"/>
-              <a:t>17/10/19</a:t>
+              <a:t>17/11/19</a:t>
             </a:fld>
             <a:endParaRPr lang="en-US"/>
           </a:p>
@@ -5003,6 +5005,635 @@
 </p:sld>
 </file>
 
+<file path=ppt/slides/slide10.xml><?xml version="1.0" encoding="utf-8"?>
+<p:sld xmlns:a="http://schemas.openxmlformats.org/drawingml/2006/main" xmlns:r="http://schemas.openxmlformats.org/officeDocument/2006/relationships" xmlns:p="http://schemas.openxmlformats.org/presentationml/2006/main">
+  <p:cSld>
+    <p:spTree>
+      <p:nvGrpSpPr>
+        <p:cNvPr id="1" name=""/>
+        <p:cNvGrpSpPr/>
+        <p:nvPr/>
+      </p:nvGrpSpPr>
+      <p:grpSpPr>
+        <a:xfrm>
+          <a:off x="0" y="0"/>
+          <a:ext cx="0" cy="0"/>
+          <a:chOff x="0" y="0"/>
+          <a:chExt cx="0" cy="0"/>
+        </a:xfrm>
+      </p:grpSpPr>
+      <p:sp>
+        <p:nvSpPr>
+          <p:cNvPr id="21" name="Freeform 20"/>
+          <p:cNvSpPr/>
+          <p:nvPr/>
+        </p:nvSpPr>
+        <p:spPr>
+          <a:xfrm>
+            <a:off x="1088524" y="1727565"/>
+            <a:ext cx="2437348" cy="1317367"/>
+          </a:xfrm>
+          <a:custGeom>
+            <a:avLst/>
+            <a:gdLst>
+              <a:gd name="connsiteX0" fmla="*/ 0 w 2437348"/>
+              <a:gd name="connsiteY0" fmla="*/ 0 h 1317367"/>
+              <a:gd name="connsiteX1" fmla="*/ 686243 w 2437348"/>
+              <a:gd name="connsiteY1" fmla="*/ 1009719 h 1317367"/>
+              <a:gd name="connsiteX2" fmla="*/ 2437348 w 2437348"/>
+              <a:gd name="connsiteY2" fmla="*/ 1317367 h 1317367"/>
+            </a:gdLst>
+            <a:ahLst/>
+            <a:cxnLst>
+              <a:cxn ang="0">
+                <a:pos x="connsiteX0" y="connsiteY0"/>
+              </a:cxn>
+              <a:cxn ang="0">
+                <a:pos x="connsiteX1" y="connsiteY1"/>
+              </a:cxn>
+              <a:cxn ang="0">
+                <a:pos x="connsiteX2" y="connsiteY2"/>
+              </a:cxn>
+            </a:cxnLst>
+            <a:rect l="l" t="t" r="r" b="b"/>
+            <a:pathLst>
+              <a:path w="2437348" h="1317367">
+                <a:moveTo>
+                  <a:pt x="0" y="0"/>
+                </a:moveTo>
+                <a:cubicBezTo>
+                  <a:pt x="140009" y="395079"/>
+                  <a:pt x="280018" y="790158"/>
+                  <a:pt x="686243" y="1009719"/>
+                </a:cubicBezTo>
+                <a:cubicBezTo>
+                  <a:pt x="1092468" y="1229280"/>
+                  <a:pt x="2437348" y="1317367"/>
+                  <a:pt x="2437348" y="1317367"/>
+                </a:cubicBezTo>
+              </a:path>
+            </a:pathLst>
+          </a:custGeom>
+          <a:ln>
+            <a:headEnd type="none"/>
+            <a:tailEnd type="arrow"/>
+          </a:ln>
+        </p:spPr>
+        <p:style>
+          <a:lnRef idx="2">
+            <a:schemeClr val="dk1"/>
+          </a:lnRef>
+          <a:fillRef idx="0">
+            <a:schemeClr val="dk1"/>
+          </a:fillRef>
+          <a:effectRef idx="1">
+            <a:schemeClr val="dk1"/>
+          </a:effectRef>
+          <a:fontRef idx="minor">
+            <a:schemeClr val="tx1"/>
+          </a:fontRef>
+        </p:style>
+        <p:txBody>
+          <a:bodyPr rtlCol="0" anchor="ctr"/>
+          <a:lstStyle/>
+          <a:p>
+            <a:pPr algn="ctr"/>
+            <a:endParaRPr lang="en-US"/>
+          </a:p>
+        </p:txBody>
+      </p:sp>
+      <p:sp>
+        <p:nvSpPr>
+          <p:cNvPr id="22" name="Freeform 21"/>
+          <p:cNvSpPr/>
+          <p:nvPr/>
+        </p:nvSpPr>
+        <p:spPr>
+          <a:xfrm>
+            <a:off x="1056973" y="2374990"/>
+            <a:ext cx="2468899" cy="882698"/>
+          </a:xfrm>
+          <a:custGeom>
+            <a:avLst/>
+            <a:gdLst>
+              <a:gd name="connsiteX0" fmla="*/ 0 w 2437348"/>
+              <a:gd name="connsiteY0" fmla="*/ 0 h 790079"/>
+              <a:gd name="connsiteX1" fmla="*/ 741459 w 2437348"/>
+              <a:gd name="connsiteY1" fmla="*/ 678405 h 790079"/>
+              <a:gd name="connsiteX2" fmla="*/ 2437348 w 2437348"/>
+              <a:gd name="connsiteY2" fmla="*/ 788843 h 790079"/>
+              <a:gd name="connsiteX0" fmla="*/ 0 w 2437348"/>
+              <a:gd name="connsiteY0" fmla="*/ 0 h 788843"/>
+              <a:gd name="connsiteX1" fmla="*/ 867665 w 2437348"/>
+              <a:gd name="connsiteY1" fmla="*/ 578886 h 788843"/>
+              <a:gd name="connsiteX2" fmla="*/ 2437348 w 2437348"/>
+              <a:gd name="connsiteY2" fmla="*/ 788843 h 788843"/>
+              <a:gd name="connsiteX0" fmla="*/ 0 w 2468899"/>
+              <a:gd name="connsiteY0" fmla="*/ 0 h 742401"/>
+              <a:gd name="connsiteX1" fmla="*/ 867665 w 2468899"/>
+              <a:gd name="connsiteY1" fmla="*/ 578886 h 742401"/>
+              <a:gd name="connsiteX2" fmla="*/ 2468899 w 2468899"/>
+              <a:gd name="connsiteY2" fmla="*/ 742401 h 742401"/>
+            </a:gdLst>
+            <a:ahLst/>
+            <a:cxnLst>
+              <a:cxn ang="0">
+                <a:pos x="connsiteX0" y="connsiteY0"/>
+              </a:cxn>
+              <a:cxn ang="0">
+                <a:pos x="connsiteX1" y="connsiteY1"/>
+              </a:cxn>
+              <a:cxn ang="0">
+                <a:pos x="connsiteX2" y="connsiteY2"/>
+              </a:cxn>
+            </a:cxnLst>
+            <a:rect l="l" t="t" r="r" b="b"/>
+            <a:pathLst>
+              <a:path w="2468899" h="742401">
+                <a:moveTo>
+                  <a:pt x="0" y="0"/>
+                </a:moveTo>
+                <a:cubicBezTo>
+                  <a:pt x="167617" y="273465"/>
+                  <a:pt x="456182" y="455152"/>
+                  <a:pt x="867665" y="578886"/>
+                </a:cubicBezTo>
+                <a:cubicBezTo>
+                  <a:pt x="1279148" y="702620"/>
+                  <a:pt x="2468899" y="742401"/>
+                  <a:pt x="2468899" y="742401"/>
+                </a:cubicBezTo>
+              </a:path>
+            </a:pathLst>
+          </a:custGeom>
+          <a:ln>
+            <a:headEnd type="none"/>
+            <a:tailEnd type="arrow"/>
+          </a:ln>
+        </p:spPr>
+        <p:style>
+          <a:lnRef idx="2">
+            <a:schemeClr val="dk1"/>
+          </a:lnRef>
+          <a:fillRef idx="0">
+            <a:schemeClr val="dk1"/>
+          </a:fillRef>
+          <a:effectRef idx="1">
+            <a:schemeClr val="dk1"/>
+          </a:effectRef>
+          <a:fontRef idx="minor">
+            <a:schemeClr val="tx1"/>
+          </a:fontRef>
+        </p:style>
+        <p:txBody>
+          <a:bodyPr rtlCol="0" anchor="ctr"/>
+          <a:lstStyle/>
+          <a:p>
+            <a:pPr algn="ctr"/>
+            <a:endParaRPr lang="en-US"/>
+          </a:p>
+        </p:txBody>
+      </p:sp>
+      <p:sp>
+        <p:nvSpPr>
+          <p:cNvPr id="23" name="Freeform 22"/>
+          <p:cNvSpPr/>
+          <p:nvPr/>
+        </p:nvSpPr>
+        <p:spPr>
+          <a:xfrm>
+            <a:off x="1143739" y="3076486"/>
+            <a:ext cx="2382133" cy="347838"/>
+          </a:xfrm>
+          <a:custGeom>
+            <a:avLst/>
+            <a:gdLst>
+              <a:gd name="connsiteX0" fmla="*/ 0 w 2382133"/>
+              <a:gd name="connsiteY0" fmla="*/ 0 h 347838"/>
+              <a:gd name="connsiteX1" fmla="*/ 851888 w 2382133"/>
+              <a:gd name="connsiteY1" fmla="*/ 299760 h 347838"/>
+              <a:gd name="connsiteX2" fmla="*/ 2382133 w 2382133"/>
+              <a:gd name="connsiteY2" fmla="*/ 347091 h 347838"/>
+            </a:gdLst>
+            <a:ahLst/>
+            <a:cxnLst>
+              <a:cxn ang="0">
+                <a:pos x="connsiteX0" y="connsiteY0"/>
+              </a:cxn>
+              <a:cxn ang="0">
+                <a:pos x="connsiteX1" y="connsiteY1"/>
+              </a:cxn>
+              <a:cxn ang="0">
+                <a:pos x="connsiteX2" y="connsiteY2"/>
+              </a:cxn>
+            </a:cxnLst>
+            <a:rect l="l" t="t" r="r" b="b"/>
+            <a:pathLst>
+              <a:path w="2382133" h="347838">
+                <a:moveTo>
+                  <a:pt x="0" y="0"/>
+                </a:moveTo>
+                <a:cubicBezTo>
+                  <a:pt x="227433" y="120955"/>
+                  <a:pt x="454866" y="241911"/>
+                  <a:pt x="851888" y="299760"/>
+                </a:cubicBezTo>
+                <a:cubicBezTo>
+                  <a:pt x="1248910" y="357609"/>
+                  <a:pt x="2382133" y="347091"/>
+                  <a:pt x="2382133" y="347091"/>
+                </a:cubicBezTo>
+              </a:path>
+            </a:pathLst>
+          </a:custGeom>
+          <a:ln>
+            <a:headEnd type="none"/>
+            <a:tailEnd type="arrow"/>
+          </a:ln>
+        </p:spPr>
+        <p:style>
+          <a:lnRef idx="2">
+            <a:schemeClr val="dk1"/>
+          </a:lnRef>
+          <a:fillRef idx="0">
+            <a:schemeClr val="dk1"/>
+          </a:fillRef>
+          <a:effectRef idx="1">
+            <a:schemeClr val="dk1"/>
+          </a:effectRef>
+          <a:fontRef idx="minor">
+            <a:schemeClr val="tx1"/>
+          </a:fontRef>
+        </p:style>
+        <p:txBody>
+          <a:bodyPr rtlCol="0" anchor="ctr"/>
+          <a:lstStyle/>
+          <a:p>
+            <a:pPr algn="ctr"/>
+            <a:endParaRPr lang="en-US"/>
+          </a:p>
+        </p:txBody>
+      </p:sp>
+      <p:sp>
+        <p:nvSpPr>
+          <p:cNvPr id="24" name="Freeform 23"/>
+          <p:cNvSpPr/>
+          <p:nvPr/>
+        </p:nvSpPr>
+        <p:spPr>
+          <a:xfrm flipV="1">
+            <a:off x="1088524" y="3725860"/>
+            <a:ext cx="2437348" cy="1317367"/>
+          </a:xfrm>
+          <a:custGeom>
+            <a:avLst/>
+            <a:gdLst>
+              <a:gd name="connsiteX0" fmla="*/ 0 w 2437348"/>
+              <a:gd name="connsiteY0" fmla="*/ 0 h 1317367"/>
+              <a:gd name="connsiteX1" fmla="*/ 686243 w 2437348"/>
+              <a:gd name="connsiteY1" fmla="*/ 1009719 h 1317367"/>
+              <a:gd name="connsiteX2" fmla="*/ 2437348 w 2437348"/>
+              <a:gd name="connsiteY2" fmla="*/ 1317367 h 1317367"/>
+            </a:gdLst>
+            <a:ahLst/>
+            <a:cxnLst>
+              <a:cxn ang="0">
+                <a:pos x="connsiteX0" y="connsiteY0"/>
+              </a:cxn>
+              <a:cxn ang="0">
+                <a:pos x="connsiteX1" y="connsiteY1"/>
+              </a:cxn>
+              <a:cxn ang="0">
+                <a:pos x="connsiteX2" y="connsiteY2"/>
+              </a:cxn>
+            </a:cxnLst>
+            <a:rect l="l" t="t" r="r" b="b"/>
+            <a:pathLst>
+              <a:path w="2437348" h="1317367">
+                <a:moveTo>
+                  <a:pt x="0" y="0"/>
+                </a:moveTo>
+                <a:cubicBezTo>
+                  <a:pt x="140009" y="395079"/>
+                  <a:pt x="280018" y="790158"/>
+                  <a:pt x="686243" y="1009719"/>
+                </a:cubicBezTo>
+                <a:cubicBezTo>
+                  <a:pt x="1092468" y="1229280"/>
+                  <a:pt x="2437348" y="1317367"/>
+                  <a:pt x="2437348" y="1317367"/>
+                </a:cubicBezTo>
+              </a:path>
+            </a:pathLst>
+          </a:custGeom>
+          <a:ln>
+            <a:headEnd type="none"/>
+            <a:tailEnd type="arrow"/>
+          </a:ln>
+        </p:spPr>
+        <p:style>
+          <a:lnRef idx="2">
+            <a:schemeClr val="dk1"/>
+          </a:lnRef>
+          <a:fillRef idx="0">
+            <a:schemeClr val="dk1"/>
+          </a:fillRef>
+          <a:effectRef idx="1">
+            <a:schemeClr val="dk1"/>
+          </a:effectRef>
+          <a:fontRef idx="minor">
+            <a:schemeClr val="tx1"/>
+          </a:fontRef>
+        </p:style>
+        <p:txBody>
+          <a:bodyPr rtlCol="0" anchor="ctr"/>
+          <a:lstStyle/>
+          <a:p>
+            <a:pPr algn="ctr"/>
+            <a:endParaRPr lang="en-US"/>
+          </a:p>
+        </p:txBody>
+      </p:sp>
+      <p:sp>
+        <p:nvSpPr>
+          <p:cNvPr id="25" name="Freeform 24"/>
+          <p:cNvSpPr/>
+          <p:nvPr/>
+        </p:nvSpPr>
+        <p:spPr>
+          <a:xfrm flipV="1">
+            <a:off x="1056973" y="3566315"/>
+            <a:ext cx="2468899" cy="882698"/>
+          </a:xfrm>
+          <a:custGeom>
+            <a:avLst/>
+            <a:gdLst>
+              <a:gd name="connsiteX0" fmla="*/ 0 w 2437348"/>
+              <a:gd name="connsiteY0" fmla="*/ 0 h 790079"/>
+              <a:gd name="connsiteX1" fmla="*/ 741459 w 2437348"/>
+              <a:gd name="connsiteY1" fmla="*/ 678405 h 790079"/>
+              <a:gd name="connsiteX2" fmla="*/ 2437348 w 2437348"/>
+              <a:gd name="connsiteY2" fmla="*/ 788843 h 790079"/>
+              <a:gd name="connsiteX0" fmla="*/ 0 w 2437348"/>
+              <a:gd name="connsiteY0" fmla="*/ 0 h 788843"/>
+              <a:gd name="connsiteX1" fmla="*/ 867665 w 2437348"/>
+              <a:gd name="connsiteY1" fmla="*/ 578886 h 788843"/>
+              <a:gd name="connsiteX2" fmla="*/ 2437348 w 2437348"/>
+              <a:gd name="connsiteY2" fmla="*/ 788843 h 788843"/>
+              <a:gd name="connsiteX0" fmla="*/ 0 w 2468899"/>
+              <a:gd name="connsiteY0" fmla="*/ 0 h 742401"/>
+              <a:gd name="connsiteX1" fmla="*/ 867665 w 2468899"/>
+              <a:gd name="connsiteY1" fmla="*/ 578886 h 742401"/>
+              <a:gd name="connsiteX2" fmla="*/ 2468899 w 2468899"/>
+              <a:gd name="connsiteY2" fmla="*/ 742401 h 742401"/>
+            </a:gdLst>
+            <a:ahLst/>
+            <a:cxnLst>
+              <a:cxn ang="0">
+                <a:pos x="connsiteX0" y="connsiteY0"/>
+              </a:cxn>
+              <a:cxn ang="0">
+                <a:pos x="connsiteX1" y="connsiteY1"/>
+              </a:cxn>
+              <a:cxn ang="0">
+                <a:pos x="connsiteX2" y="connsiteY2"/>
+              </a:cxn>
+            </a:cxnLst>
+            <a:rect l="l" t="t" r="r" b="b"/>
+            <a:pathLst>
+              <a:path w="2468899" h="742401">
+                <a:moveTo>
+                  <a:pt x="0" y="0"/>
+                </a:moveTo>
+                <a:cubicBezTo>
+                  <a:pt x="167617" y="273465"/>
+                  <a:pt x="456182" y="455152"/>
+                  <a:pt x="867665" y="578886"/>
+                </a:cubicBezTo>
+                <a:cubicBezTo>
+                  <a:pt x="1279148" y="702620"/>
+                  <a:pt x="2468899" y="742401"/>
+                  <a:pt x="2468899" y="742401"/>
+                </a:cubicBezTo>
+              </a:path>
+            </a:pathLst>
+          </a:custGeom>
+          <a:ln>
+            <a:headEnd type="none"/>
+            <a:tailEnd type="arrow"/>
+          </a:ln>
+        </p:spPr>
+        <p:style>
+          <a:lnRef idx="2">
+            <a:schemeClr val="dk1"/>
+          </a:lnRef>
+          <a:fillRef idx="0">
+            <a:schemeClr val="dk1"/>
+          </a:fillRef>
+          <a:effectRef idx="1">
+            <a:schemeClr val="dk1"/>
+          </a:effectRef>
+          <a:fontRef idx="minor">
+            <a:schemeClr val="tx1"/>
+          </a:fontRef>
+        </p:style>
+        <p:txBody>
+          <a:bodyPr rtlCol="0" anchor="ctr"/>
+          <a:lstStyle/>
+          <a:p>
+            <a:pPr algn="ctr"/>
+            <a:endParaRPr lang="en-US"/>
+          </a:p>
+        </p:txBody>
+      </p:sp>
+      <p:pic>
+        <p:nvPicPr>
+          <p:cNvPr id="28" name="Picture 27"/>
+          <p:cNvPicPr>
+            <a:picLocks noChangeAspect="1"/>
+          </p:cNvPicPr>
+          <p:nvPr/>
+        </p:nvPicPr>
+        <p:blipFill>
+          <a:blip r:embed="rId2">
+            <a:clrChange>
+              <a:clrFrom>
+                <a:srgbClr val="FFFFFF"/>
+              </a:clrFrom>
+              <a:clrTo>
+                <a:srgbClr val="FFFFFF">
+                  <a:alpha val="0"/>
+                </a:srgbClr>
+              </a:clrTo>
+            </a:clrChange>
+          </a:blip>
+          <a:stretch>
+            <a:fillRect/>
+          </a:stretch>
+        </p:blipFill>
+        <p:spPr>
+          <a:xfrm rot="1095274">
+            <a:off x="1948301" y="2926436"/>
+            <a:ext cx="1397280" cy="662503"/>
+          </a:xfrm>
+          <a:prstGeom prst="rect">
+            <a:avLst/>
+          </a:prstGeom>
+        </p:spPr>
+      </p:pic>
+      <p:cxnSp>
+        <p:nvCxnSpPr>
+          <p:cNvPr id="19" name="Straight Arrow Connector 18"/>
+          <p:cNvCxnSpPr/>
+          <p:nvPr/>
+        </p:nvCxnSpPr>
+        <p:spPr>
+          <a:xfrm flipH="1">
+            <a:off x="1752167" y="3346911"/>
+            <a:ext cx="453308" cy="0"/>
+          </a:xfrm>
+          <a:prstGeom prst="straightConnector1">
+            <a:avLst/>
+          </a:prstGeom>
+          <a:ln>
+            <a:headEnd type="none"/>
+            <a:tailEnd type="triangle"/>
+          </a:ln>
+        </p:spPr>
+        <p:style>
+          <a:lnRef idx="2">
+            <a:schemeClr val="accent1"/>
+          </a:lnRef>
+          <a:fillRef idx="0">
+            <a:schemeClr val="accent1"/>
+          </a:fillRef>
+          <a:effectRef idx="1">
+            <a:schemeClr val="accent1"/>
+          </a:effectRef>
+          <a:fontRef idx="minor">
+            <a:schemeClr val="tx1"/>
+          </a:fontRef>
+        </p:style>
+      </p:cxnSp>
+      <p:cxnSp>
+        <p:nvCxnSpPr>
+          <p:cNvPr id="18" name="Straight Arrow Connector 17"/>
+          <p:cNvCxnSpPr/>
+          <p:nvPr/>
+        </p:nvCxnSpPr>
+        <p:spPr>
+          <a:xfrm>
+            <a:off x="3176432" y="3365120"/>
+            <a:ext cx="862151" cy="0"/>
+          </a:xfrm>
+          <a:prstGeom prst="straightConnector1">
+            <a:avLst/>
+          </a:prstGeom>
+          <a:ln>
+            <a:headEnd type="none"/>
+            <a:tailEnd type="triangle"/>
+          </a:ln>
+        </p:spPr>
+        <p:style>
+          <a:lnRef idx="2">
+            <a:schemeClr val="accent1"/>
+          </a:lnRef>
+          <a:fillRef idx="0">
+            <a:schemeClr val="accent1"/>
+          </a:fillRef>
+          <a:effectRef idx="1">
+            <a:schemeClr val="accent1"/>
+          </a:effectRef>
+          <a:fontRef idx="minor">
+            <a:schemeClr val="tx1"/>
+          </a:fontRef>
+        </p:style>
+      </p:cxnSp>
+      <p:pic>
+        <p:nvPicPr>
+          <p:cNvPr id="32" name="Picture 31"/>
+          <p:cNvPicPr>
+            <a:picLocks noChangeAspect="1"/>
+          </p:cNvPicPr>
+          <p:nvPr/>
+        </p:nvPicPr>
+        <p:blipFill>
+          <a:blip r:embed="rId3"/>
+          <a:stretch>
+            <a:fillRect/>
+          </a:stretch>
+        </p:blipFill>
+        <p:spPr>
+          <a:xfrm>
+            <a:off x="1359111" y="3330894"/>
+            <a:ext cx="292100" cy="355600"/>
+          </a:xfrm>
+          <a:prstGeom prst="rect">
+            <a:avLst/>
+          </a:prstGeom>
+        </p:spPr>
+      </p:pic>
+      <p:pic>
+        <p:nvPicPr>
+          <p:cNvPr id="33" name="Picture 32"/>
+          <p:cNvPicPr>
+            <a:picLocks noChangeAspect="1"/>
+          </p:cNvPicPr>
+          <p:nvPr/>
+        </p:nvPicPr>
+        <p:blipFill>
+          <a:blip r:embed="rId4"/>
+          <a:stretch>
+            <a:fillRect/>
+          </a:stretch>
+        </p:blipFill>
+        <p:spPr>
+          <a:xfrm>
+            <a:off x="3757861" y="2968153"/>
+            <a:ext cx="304800" cy="355600"/>
+          </a:xfrm>
+          <a:prstGeom prst="rect">
+            <a:avLst/>
+          </a:prstGeom>
+        </p:spPr>
+      </p:pic>
+      <p:pic>
+        <p:nvPicPr>
+          <p:cNvPr id="34" name="Picture 33"/>
+          <p:cNvPicPr>
+            <a:picLocks noChangeAspect="1"/>
+          </p:cNvPicPr>
+          <p:nvPr/>
+        </p:nvPicPr>
+        <p:blipFill>
+          <a:blip r:embed="rId5"/>
+          <a:stretch>
+            <a:fillRect/>
+          </a:stretch>
+        </p:blipFill>
+        <p:spPr>
+          <a:xfrm>
+            <a:off x="4062661" y="3508694"/>
+            <a:ext cx="533400" cy="355600"/>
+          </a:xfrm>
+          <a:prstGeom prst="rect">
+            <a:avLst/>
+          </a:prstGeom>
+        </p:spPr>
+      </p:pic>
+    </p:spTree>
+    <p:extLst>
+      <p:ext uri="{BB962C8B-B14F-4D97-AF65-F5344CB8AC3E}">
+        <p14:creationId xmlns:p14="http://schemas.microsoft.com/office/powerpoint/2010/main" val="1789328946"/>
+      </p:ext>
+    </p:extLst>
+  </p:cSld>
+  <p:clrMapOvr>
+    <a:masterClrMapping/>
+  </p:clrMapOvr>
+</p:sld>
+</file>
+
 <file path=ppt/slides/slide2.xml><?xml version="1.0" encoding="utf-8"?>
 <p:sld xmlns:a="http://schemas.openxmlformats.org/drawingml/2006/main" xmlns:r="http://schemas.openxmlformats.org/officeDocument/2006/relationships" xmlns:p="http://schemas.openxmlformats.org/presentationml/2006/main">
   <p:cSld>
@@ -7044,6 +7675,834 @@
       </p:grpSpPr>
       <p:sp>
         <p:nvSpPr>
+          <p:cNvPr id="4" name="Arc 3"/>
+          <p:cNvSpPr/>
+          <p:nvPr/>
+        </p:nvSpPr>
+        <p:spPr>
+          <a:xfrm rot="10800000">
+            <a:off x="3661833" y="1418167"/>
+            <a:ext cx="2772833" cy="2772833"/>
+          </a:xfrm>
+          <a:prstGeom prst="arc">
+            <a:avLst>
+              <a:gd name="adj1" fmla="val 16200000"/>
+              <a:gd name="adj2" fmla="val 5480559"/>
+            </a:avLst>
+          </a:prstGeom>
+          <a:ln>
+            <a:solidFill>
+              <a:srgbClr val="FF0000"/>
+            </a:solidFill>
+          </a:ln>
+        </p:spPr>
+        <p:style>
+          <a:lnRef idx="2">
+            <a:schemeClr val="accent1"/>
+          </a:lnRef>
+          <a:fillRef idx="0">
+            <a:schemeClr val="accent1"/>
+          </a:fillRef>
+          <a:effectRef idx="1">
+            <a:schemeClr val="accent1"/>
+          </a:effectRef>
+          <a:fontRef idx="minor">
+            <a:schemeClr val="tx1"/>
+          </a:fontRef>
+        </p:style>
+        <p:txBody>
+          <a:bodyPr rtlCol="0" anchor="ctr"/>
+          <a:lstStyle/>
+          <a:p>
+            <a:pPr algn="ctr"/>
+            <a:endParaRPr lang="en-US"/>
+          </a:p>
+        </p:txBody>
+      </p:sp>
+      <p:cxnSp>
+        <p:nvCxnSpPr>
+          <p:cNvPr id="6" name="Straight Connector 5"/>
+          <p:cNvCxnSpPr>
+            <a:stCxn id="4" idx="2"/>
+          </p:cNvCxnSpPr>
+          <p:nvPr/>
+        </p:nvCxnSpPr>
+        <p:spPr>
+          <a:xfrm flipV="1">
+            <a:off x="5080735" y="1418167"/>
+            <a:ext cx="3555265" cy="381"/>
+          </a:xfrm>
+          <a:prstGeom prst="line">
+            <a:avLst/>
+          </a:prstGeom>
+          <a:ln>
+            <a:solidFill>
+              <a:srgbClr val="FF0000"/>
+            </a:solidFill>
+          </a:ln>
+        </p:spPr>
+        <p:style>
+          <a:lnRef idx="2">
+            <a:schemeClr val="accent1"/>
+          </a:lnRef>
+          <a:fillRef idx="0">
+            <a:schemeClr val="accent1"/>
+          </a:fillRef>
+          <a:effectRef idx="1">
+            <a:schemeClr val="accent1"/>
+          </a:effectRef>
+          <a:fontRef idx="minor">
+            <a:schemeClr val="tx1"/>
+          </a:fontRef>
+        </p:style>
+      </p:cxnSp>
+      <p:cxnSp>
+        <p:nvCxnSpPr>
+          <p:cNvPr id="12" name="Straight Connector 11"/>
+          <p:cNvCxnSpPr/>
+          <p:nvPr/>
+        </p:nvCxnSpPr>
+        <p:spPr>
+          <a:xfrm>
+            <a:off x="5017234" y="4191001"/>
+            <a:ext cx="3555265" cy="0"/>
+          </a:xfrm>
+          <a:prstGeom prst="line">
+            <a:avLst/>
+          </a:prstGeom>
+          <a:ln>
+            <a:solidFill>
+              <a:srgbClr val="FF0000"/>
+            </a:solidFill>
+          </a:ln>
+        </p:spPr>
+        <p:style>
+          <a:lnRef idx="2">
+            <a:schemeClr val="accent1"/>
+          </a:lnRef>
+          <a:fillRef idx="0">
+            <a:schemeClr val="accent1"/>
+          </a:fillRef>
+          <a:effectRef idx="1">
+            <a:schemeClr val="accent1"/>
+          </a:effectRef>
+          <a:fontRef idx="minor">
+            <a:schemeClr val="tx1"/>
+          </a:fontRef>
+        </p:style>
+      </p:cxnSp>
+      <p:pic>
+        <p:nvPicPr>
+          <p:cNvPr id="16" name="Picture 15" descr="latex-image-1.pdf"/>
+          <p:cNvPicPr>
+            <a:picLocks noChangeAspect="1"/>
+          </p:cNvPicPr>
+          <p:nvPr/>
+        </p:nvPicPr>
+        <p:blipFill>
+          <a:blip r:embed="rId2">
+            <a:extLst>
+              <a:ext uri="{28A0092B-C50C-407E-A947-70E740481C1C}">
+                <a14:useLocalDpi xmlns:a14="http://schemas.microsoft.com/office/drawing/2010/main" val="0"/>
+              </a:ext>
+            </a:extLst>
+          </a:blip>
+          <a:stretch>
+            <a:fillRect/>
+          </a:stretch>
+        </p:blipFill>
+        <p:spPr>
+          <a:xfrm rot="4075009">
+            <a:off x="4339899" y="1905774"/>
+            <a:ext cx="1143000" cy="215900"/>
+          </a:xfrm>
+          <a:prstGeom prst="rect">
+            <a:avLst/>
+          </a:prstGeom>
+        </p:spPr>
+      </p:pic>
+      <p:cxnSp>
+        <p:nvCxnSpPr>
+          <p:cNvPr id="18" name="Straight Connector 17"/>
+          <p:cNvCxnSpPr/>
+          <p:nvPr/>
+        </p:nvCxnSpPr>
+        <p:spPr>
+          <a:xfrm>
+            <a:off x="-148167" y="2836334"/>
+            <a:ext cx="9440334" cy="0"/>
+          </a:xfrm>
+          <a:prstGeom prst="line">
+            <a:avLst/>
+          </a:prstGeom>
+          <a:ln>
+            <a:solidFill>
+              <a:schemeClr val="tx1"/>
+            </a:solidFill>
+            <a:prstDash val="lgDashDot"/>
+          </a:ln>
+        </p:spPr>
+        <p:style>
+          <a:lnRef idx="2">
+            <a:schemeClr val="accent1"/>
+          </a:lnRef>
+          <a:fillRef idx="0">
+            <a:schemeClr val="accent1"/>
+          </a:fillRef>
+          <a:effectRef idx="1">
+            <a:schemeClr val="accent1"/>
+          </a:effectRef>
+          <a:fontRef idx="minor">
+            <a:schemeClr val="tx1"/>
+          </a:fontRef>
+        </p:style>
+      </p:cxnSp>
+      <p:pic>
+        <p:nvPicPr>
+          <p:cNvPr id="19" name="Picture 18" descr="latex-image-1.pdf"/>
+          <p:cNvPicPr>
+            <a:picLocks noChangeAspect="1"/>
+          </p:cNvPicPr>
+          <p:nvPr/>
+        </p:nvPicPr>
+        <p:blipFill>
+          <a:blip r:embed="rId3">
+            <a:extLst>
+              <a:ext uri="{28A0092B-C50C-407E-A947-70E740481C1C}">
+                <a14:useLocalDpi xmlns:a14="http://schemas.microsoft.com/office/drawing/2010/main" val="0"/>
+              </a:ext>
+            </a:extLst>
+          </a:blip>
+          <a:stretch>
+            <a:fillRect/>
+          </a:stretch>
+        </p:blipFill>
+        <p:spPr>
+          <a:xfrm>
+            <a:off x="2506132" y="2059517"/>
+            <a:ext cx="1155700" cy="228600"/>
+          </a:xfrm>
+          <a:prstGeom prst="rect">
+            <a:avLst/>
+          </a:prstGeom>
+        </p:spPr>
+      </p:pic>
+      <p:pic>
+        <p:nvPicPr>
+          <p:cNvPr id="20" name="Picture 19" descr="latex-image-1.pdf"/>
+          <p:cNvPicPr>
+            <a:picLocks noChangeAspect="1"/>
+          </p:cNvPicPr>
+          <p:nvPr/>
+        </p:nvPicPr>
+        <p:blipFill>
+          <a:blip r:embed="rId4">
+            <a:extLst>
+              <a:ext uri="{28A0092B-C50C-407E-A947-70E740481C1C}">
+                <a14:useLocalDpi xmlns:a14="http://schemas.microsoft.com/office/drawing/2010/main" val="0"/>
+              </a:ext>
+            </a:extLst>
+          </a:blip>
+          <a:stretch>
+            <a:fillRect/>
+          </a:stretch>
+        </p:blipFill>
+        <p:spPr>
+          <a:xfrm>
+            <a:off x="4615061" y="3746500"/>
+            <a:ext cx="1041400" cy="266700"/>
+          </a:xfrm>
+          <a:prstGeom prst="rect">
+            <a:avLst/>
+          </a:prstGeom>
+        </p:spPr>
+      </p:pic>
+      <p:pic>
+        <p:nvPicPr>
+          <p:cNvPr id="21" name="Picture 20" descr="latex-image-1.pdf"/>
+          <p:cNvPicPr>
+            <a:picLocks noChangeAspect="1"/>
+          </p:cNvPicPr>
+          <p:nvPr/>
+        </p:nvPicPr>
+        <p:blipFill>
+          <a:blip r:embed="rId5">
+            <a:extLst>
+              <a:ext uri="{28A0092B-C50C-407E-A947-70E740481C1C}">
+                <a14:useLocalDpi xmlns:a14="http://schemas.microsoft.com/office/drawing/2010/main" val="0"/>
+              </a:ext>
+            </a:extLst>
+          </a:blip>
+          <a:stretch>
+            <a:fillRect/>
+          </a:stretch>
+        </p:blipFill>
+        <p:spPr>
+          <a:xfrm>
+            <a:off x="2273301" y="3920067"/>
+            <a:ext cx="723900" cy="215900"/>
+          </a:xfrm>
+          <a:prstGeom prst="rect">
+            <a:avLst/>
+          </a:prstGeom>
+        </p:spPr>
+      </p:pic>
+      <p:pic>
+        <p:nvPicPr>
+          <p:cNvPr id="22" name="Picture 21" descr="latex-image-1.pdf"/>
+          <p:cNvPicPr>
+            <a:picLocks noChangeAspect="1"/>
+          </p:cNvPicPr>
+          <p:nvPr/>
+        </p:nvPicPr>
+        <p:blipFill>
+          <a:blip r:embed="rId6">
+            <a:extLst>
+              <a:ext uri="{28A0092B-C50C-407E-A947-70E740481C1C}">
+                <a14:useLocalDpi xmlns:a14="http://schemas.microsoft.com/office/drawing/2010/main" val="0"/>
+              </a:ext>
+            </a:extLst>
+          </a:blip>
+          <a:stretch>
+            <a:fillRect/>
+          </a:stretch>
+        </p:blipFill>
+        <p:spPr>
+          <a:xfrm>
+            <a:off x="5853311" y="1646767"/>
+            <a:ext cx="393700" cy="241300"/>
+          </a:xfrm>
+          <a:prstGeom prst="rect">
+            <a:avLst/>
+          </a:prstGeom>
+        </p:spPr>
+      </p:pic>
+      <p:pic>
+        <p:nvPicPr>
+          <p:cNvPr id="23" name="Picture 22" descr="latex-image-1.pdf"/>
+          <p:cNvPicPr>
+            <a:picLocks noChangeAspect="1"/>
+          </p:cNvPicPr>
+          <p:nvPr/>
+        </p:nvPicPr>
+        <p:blipFill>
+          <a:blip r:embed="rId7">
+            <a:extLst>
+              <a:ext uri="{28A0092B-C50C-407E-A947-70E740481C1C}">
+                <a14:useLocalDpi xmlns:a14="http://schemas.microsoft.com/office/drawing/2010/main" val="0"/>
+              </a:ext>
+            </a:extLst>
+          </a:blip>
+          <a:stretch>
+            <a:fillRect/>
+          </a:stretch>
+        </p:blipFill>
+        <p:spPr>
+          <a:xfrm>
+            <a:off x="6631521" y="3025673"/>
+            <a:ext cx="406400" cy="292100"/>
+          </a:xfrm>
+          <a:prstGeom prst="rect">
+            <a:avLst/>
+          </a:prstGeom>
+        </p:spPr>
+      </p:pic>
+      <p:grpSp>
+        <p:nvGrpSpPr>
+          <p:cNvPr id="37" name="Group 36"/>
+          <p:cNvGrpSpPr/>
+          <p:nvPr/>
+        </p:nvGrpSpPr>
+        <p:grpSpPr>
+          <a:xfrm>
+            <a:off x="-148167" y="1651000"/>
+            <a:ext cx="6582833" cy="1713339"/>
+            <a:chOff x="-148167" y="1651000"/>
+            <a:chExt cx="6582833" cy="1713339"/>
+          </a:xfrm>
+        </p:grpSpPr>
+        <p:cxnSp>
+          <p:nvCxnSpPr>
+            <p:cNvPr id="14" name="Straight Arrow Connector 13"/>
+            <p:cNvCxnSpPr/>
+            <p:nvPr/>
+          </p:nvCxnSpPr>
+          <p:spPr>
+            <a:xfrm flipH="1" flipV="1">
+              <a:off x="4383617" y="1651000"/>
+              <a:ext cx="633618" cy="1206502"/>
+            </a:xfrm>
+            <a:prstGeom prst="straightConnector1">
+              <a:avLst/>
+            </a:prstGeom>
+            <a:ln>
+              <a:tailEnd type="arrow"/>
+            </a:ln>
+          </p:spPr>
+          <p:style>
+            <a:lnRef idx="2">
+              <a:schemeClr val="accent3"/>
+            </a:lnRef>
+            <a:fillRef idx="0">
+              <a:schemeClr val="accent3"/>
+            </a:fillRef>
+            <a:effectRef idx="1">
+              <a:schemeClr val="accent3"/>
+            </a:effectRef>
+            <a:fontRef idx="minor">
+              <a:schemeClr val="tx1"/>
+            </a:fontRef>
+          </p:style>
+        </p:cxnSp>
+        <p:cxnSp>
+          <p:nvCxnSpPr>
+            <p:cNvPr id="25" name="Straight Connector 24"/>
+            <p:cNvCxnSpPr/>
+            <p:nvPr/>
+          </p:nvCxnSpPr>
+          <p:spPr>
+            <a:xfrm>
+              <a:off x="0" y="1947334"/>
+              <a:ext cx="4042833" cy="0"/>
+            </a:xfrm>
+            <a:prstGeom prst="line">
+              <a:avLst/>
+            </a:prstGeom>
+          </p:spPr>
+          <p:style>
+            <a:lnRef idx="2">
+              <a:schemeClr val="accent1"/>
+            </a:lnRef>
+            <a:fillRef idx="0">
+              <a:schemeClr val="accent1"/>
+            </a:fillRef>
+            <a:effectRef idx="1">
+              <a:schemeClr val="accent1"/>
+            </a:effectRef>
+            <a:fontRef idx="minor">
+              <a:schemeClr val="tx1"/>
+            </a:fontRef>
+          </p:style>
+        </p:cxnSp>
+        <p:cxnSp>
+          <p:nvCxnSpPr>
+            <p:cNvPr id="26" name="Straight Connector 25"/>
+            <p:cNvCxnSpPr/>
+            <p:nvPr/>
+          </p:nvCxnSpPr>
+          <p:spPr>
+            <a:xfrm>
+              <a:off x="-148167" y="2396067"/>
+              <a:ext cx="3809999" cy="0"/>
+            </a:xfrm>
+            <a:prstGeom prst="line">
+              <a:avLst/>
+            </a:prstGeom>
+          </p:spPr>
+          <p:style>
+            <a:lnRef idx="2">
+              <a:schemeClr val="accent1"/>
+            </a:lnRef>
+            <a:fillRef idx="0">
+              <a:schemeClr val="accent1"/>
+            </a:fillRef>
+            <a:effectRef idx="1">
+              <a:schemeClr val="accent1"/>
+            </a:effectRef>
+            <a:fontRef idx="minor">
+              <a:schemeClr val="tx1"/>
+            </a:fontRef>
+          </p:style>
+        </p:cxnSp>
+        <p:cxnSp>
+          <p:nvCxnSpPr>
+            <p:cNvPr id="29" name="Straight Connector 28"/>
+            <p:cNvCxnSpPr/>
+            <p:nvPr/>
+          </p:nvCxnSpPr>
+          <p:spPr>
+            <a:xfrm>
+              <a:off x="3659717" y="2396067"/>
+              <a:ext cx="2696633" cy="440267"/>
+            </a:xfrm>
+            <a:prstGeom prst="line">
+              <a:avLst/>
+            </a:prstGeom>
+          </p:spPr>
+          <p:style>
+            <a:lnRef idx="2">
+              <a:schemeClr val="accent1"/>
+            </a:lnRef>
+            <a:fillRef idx="0">
+              <a:schemeClr val="accent1"/>
+            </a:fillRef>
+            <a:effectRef idx="1">
+              <a:schemeClr val="accent1"/>
+            </a:effectRef>
+            <a:fontRef idx="minor">
+              <a:schemeClr val="tx1"/>
+            </a:fontRef>
+          </p:style>
+        </p:cxnSp>
+        <p:cxnSp>
+          <p:nvCxnSpPr>
+            <p:cNvPr id="31" name="Straight Connector 30"/>
+            <p:cNvCxnSpPr/>
+            <p:nvPr/>
+          </p:nvCxnSpPr>
+          <p:spPr>
+            <a:xfrm>
+              <a:off x="4042833" y="1932517"/>
+              <a:ext cx="2391833" cy="1431822"/>
+            </a:xfrm>
+            <a:prstGeom prst="line">
+              <a:avLst/>
+            </a:prstGeom>
+          </p:spPr>
+          <p:style>
+            <a:lnRef idx="2">
+              <a:schemeClr val="accent1"/>
+            </a:lnRef>
+            <a:fillRef idx="0">
+              <a:schemeClr val="accent1"/>
+            </a:fillRef>
+            <a:effectRef idx="1">
+              <a:schemeClr val="accent1"/>
+            </a:effectRef>
+            <a:fontRef idx="minor">
+              <a:schemeClr val="tx1"/>
+            </a:fontRef>
+          </p:style>
+        </p:cxnSp>
+      </p:grpSp>
+      <p:grpSp>
+        <p:nvGrpSpPr>
+          <p:cNvPr id="38" name="Group 37"/>
+          <p:cNvGrpSpPr/>
+          <p:nvPr/>
+        </p:nvGrpSpPr>
+        <p:grpSpPr>
+          <a:xfrm flipV="1">
+            <a:off x="-148167" y="2329495"/>
+            <a:ext cx="6582833" cy="1431823"/>
+            <a:chOff x="-148167" y="1932516"/>
+            <a:chExt cx="6582833" cy="1431823"/>
+          </a:xfrm>
+        </p:grpSpPr>
+        <p:cxnSp>
+          <p:nvCxnSpPr>
+            <p:cNvPr id="40" name="Straight Connector 39"/>
+            <p:cNvCxnSpPr/>
+            <p:nvPr/>
+          </p:nvCxnSpPr>
+          <p:spPr>
+            <a:xfrm>
+              <a:off x="0" y="1947334"/>
+              <a:ext cx="4042833" cy="0"/>
+            </a:xfrm>
+            <a:prstGeom prst="line">
+              <a:avLst/>
+            </a:prstGeom>
+          </p:spPr>
+          <p:style>
+            <a:lnRef idx="2">
+              <a:schemeClr val="accent1"/>
+            </a:lnRef>
+            <a:fillRef idx="0">
+              <a:schemeClr val="accent1"/>
+            </a:fillRef>
+            <a:effectRef idx="1">
+              <a:schemeClr val="accent1"/>
+            </a:effectRef>
+            <a:fontRef idx="minor">
+              <a:schemeClr val="tx1"/>
+            </a:fontRef>
+          </p:style>
+        </p:cxnSp>
+        <p:cxnSp>
+          <p:nvCxnSpPr>
+            <p:cNvPr id="41" name="Straight Connector 40"/>
+            <p:cNvCxnSpPr/>
+            <p:nvPr/>
+          </p:nvCxnSpPr>
+          <p:spPr>
+            <a:xfrm>
+              <a:off x="-148167" y="2396067"/>
+              <a:ext cx="3809999" cy="0"/>
+            </a:xfrm>
+            <a:prstGeom prst="line">
+              <a:avLst/>
+            </a:prstGeom>
+          </p:spPr>
+          <p:style>
+            <a:lnRef idx="2">
+              <a:schemeClr val="accent1"/>
+            </a:lnRef>
+            <a:fillRef idx="0">
+              <a:schemeClr val="accent1"/>
+            </a:fillRef>
+            <a:effectRef idx="1">
+              <a:schemeClr val="accent1"/>
+            </a:effectRef>
+            <a:fontRef idx="minor">
+              <a:schemeClr val="tx1"/>
+            </a:fontRef>
+          </p:style>
+        </p:cxnSp>
+        <p:cxnSp>
+          <p:nvCxnSpPr>
+            <p:cNvPr id="42" name="Straight Connector 41"/>
+            <p:cNvCxnSpPr/>
+            <p:nvPr/>
+          </p:nvCxnSpPr>
+          <p:spPr>
+            <a:xfrm>
+              <a:off x="3659717" y="2396067"/>
+              <a:ext cx="2696633" cy="440267"/>
+            </a:xfrm>
+            <a:prstGeom prst="line">
+              <a:avLst/>
+            </a:prstGeom>
+          </p:spPr>
+          <p:style>
+            <a:lnRef idx="2">
+              <a:schemeClr val="accent1"/>
+            </a:lnRef>
+            <a:fillRef idx="0">
+              <a:schemeClr val="accent1"/>
+            </a:fillRef>
+            <a:effectRef idx="1">
+              <a:schemeClr val="accent1"/>
+            </a:effectRef>
+            <a:fontRef idx="minor">
+              <a:schemeClr val="tx1"/>
+            </a:fontRef>
+          </p:style>
+        </p:cxnSp>
+        <p:cxnSp>
+          <p:nvCxnSpPr>
+            <p:cNvPr id="43" name="Straight Connector 42"/>
+            <p:cNvCxnSpPr/>
+            <p:nvPr/>
+          </p:nvCxnSpPr>
+          <p:spPr>
+            <a:xfrm>
+              <a:off x="4042833" y="1932516"/>
+              <a:ext cx="2391833" cy="1431823"/>
+            </a:xfrm>
+            <a:prstGeom prst="line">
+              <a:avLst/>
+            </a:prstGeom>
+          </p:spPr>
+          <p:style>
+            <a:lnRef idx="2">
+              <a:schemeClr val="accent1"/>
+            </a:lnRef>
+            <a:fillRef idx="0">
+              <a:schemeClr val="accent1"/>
+            </a:fillRef>
+            <a:effectRef idx="1">
+              <a:schemeClr val="accent1"/>
+            </a:effectRef>
+            <a:fontRef idx="minor">
+              <a:schemeClr val="tx1"/>
+            </a:fontRef>
+          </p:style>
+        </p:cxnSp>
+      </p:grpSp>
+      <p:cxnSp>
+        <p:nvCxnSpPr>
+          <p:cNvPr id="50" name="Straight Arrow Connector 49"/>
+          <p:cNvCxnSpPr/>
+          <p:nvPr/>
+        </p:nvCxnSpPr>
+        <p:spPr>
+          <a:xfrm>
+            <a:off x="4042833" y="1932517"/>
+            <a:ext cx="0" cy="903817"/>
+          </a:xfrm>
+          <a:prstGeom prst="straightConnector1">
+            <a:avLst/>
+          </a:prstGeom>
+          <a:ln>
+            <a:solidFill>
+              <a:schemeClr val="tx1"/>
+            </a:solidFill>
+            <a:headEnd type="arrow"/>
+            <a:tailEnd type="arrow"/>
+          </a:ln>
+        </p:spPr>
+        <p:style>
+          <a:lnRef idx="2">
+            <a:schemeClr val="accent1"/>
+          </a:lnRef>
+          <a:fillRef idx="0">
+            <a:schemeClr val="accent1"/>
+          </a:fillRef>
+          <a:effectRef idx="1">
+            <a:schemeClr val="accent1"/>
+          </a:effectRef>
+          <a:fontRef idx="minor">
+            <a:schemeClr val="tx1"/>
+          </a:fontRef>
+        </p:style>
+      </p:cxnSp>
+      <p:cxnSp>
+        <p:nvCxnSpPr>
+          <p:cNvPr id="55" name="Straight Connector 54"/>
+          <p:cNvCxnSpPr/>
+          <p:nvPr/>
+        </p:nvCxnSpPr>
+        <p:spPr>
+          <a:xfrm>
+            <a:off x="6438899" y="1646767"/>
+            <a:ext cx="0" cy="2243667"/>
+          </a:xfrm>
+          <a:prstGeom prst="line">
+            <a:avLst/>
+          </a:prstGeom>
+          <a:ln>
+            <a:solidFill>
+              <a:srgbClr val="000000"/>
+            </a:solidFill>
+          </a:ln>
+        </p:spPr>
+        <p:style>
+          <a:lnRef idx="2">
+            <a:schemeClr val="accent1"/>
+          </a:lnRef>
+          <a:fillRef idx="0">
+            <a:schemeClr val="accent1"/>
+          </a:fillRef>
+          <a:effectRef idx="1">
+            <a:schemeClr val="accent1"/>
+          </a:effectRef>
+          <a:fontRef idx="minor">
+            <a:schemeClr val="tx1"/>
+          </a:fontRef>
+        </p:style>
+      </p:cxnSp>
+      <p:cxnSp>
+        <p:nvCxnSpPr>
+          <p:cNvPr id="56" name="Straight Connector 55"/>
+          <p:cNvCxnSpPr/>
+          <p:nvPr/>
+        </p:nvCxnSpPr>
+        <p:spPr>
+          <a:xfrm>
+            <a:off x="5580260" y="1646767"/>
+            <a:ext cx="0" cy="1344083"/>
+          </a:xfrm>
+          <a:prstGeom prst="line">
+            <a:avLst/>
+          </a:prstGeom>
+          <a:ln>
+            <a:solidFill>
+              <a:srgbClr val="000000"/>
+            </a:solidFill>
+          </a:ln>
+        </p:spPr>
+        <p:style>
+          <a:lnRef idx="2">
+            <a:schemeClr val="accent1"/>
+          </a:lnRef>
+          <a:fillRef idx="0">
+            <a:schemeClr val="accent1"/>
+          </a:fillRef>
+          <a:effectRef idx="1">
+            <a:schemeClr val="accent1"/>
+          </a:effectRef>
+          <a:fontRef idx="minor">
+            <a:schemeClr val="tx1"/>
+          </a:fontRef>
+        </p:style>
+      </p:cxnSp>
+    </p:spTree>
+    <p:extLst>
+      <p:ext uri="{BB962C8B-B14F-4D97-AF65-F5344CB8AC3E}">
+        <p14:creationId xmlns:p14="http://schemas.microsoft.com/office/powerpoint/2010/main" val="957464708"/>
+      </p:ext>
+    </p:extLst>
+  </p:cSld>
+  <p:clrMapOvr>
+    <a:masterClrMapping/>
+  </p:clrMapOvr>
+</p:sld>
+</file>
+
+<file path=ppt/slides/slide5.xml><?xml version="1.0" encoding="utf-8"?>
+<p:sld xmlns:a="http://schemas.openxmlformats.org/drawingml/2006/main" xmlns:r="http://schemas.openxmlformats.org/officeDocument/2006/relationships" xmlns:p="http://schemas.openxmlformats.org/presentationml/2006/main">
+  <p:cSld>
+    <p:spTree>
+      <p:nvGrpSpPr>
+        <p:cNvPr id="1" name=""/>
+        <p:cNvGrpSpPr/>
+        <p:nvPr/>
+      </p:nvGrpSpPr>
+      <p:grpSpPr>
+        <a:xfrm>
+          <a:off x="0" y="0"/>
+          <a:ext cx="0" cy="0"/>
+          <a:chOff x="0" y="0"/>
+          <a:chExt cx="0" cy="0"/>
+        </a:xfrm>
+      </p:grpSpPr>
+      <p:pic>
+        <p:nvPicPr>
+          <p:cNvPr id="4" name="Picture 3"/>
+          <p:cNvPicPr>
+            <a:picLocks noChangeAspect="1"/>
+          </p:cNvPicPr>
+          <p:nvPr/>
+        </p:nvPicPr>
+        <p:blipFill>
+          <a:blip r:embed="rId2"/>
+          <a:stretch>
+            <a:fillRect/>
+          </a:stretch>
+        </p:blipFill>
+        <p:spPr>
+          <a:xfrm>
+            <a:off x="0" y="2044700"/>
+            <a:ext cx="9144000" cy="2767584"/>
+          </a:xfrm>
+          <a:prstGeom prst="rect">
+            <a:avLst/>
+          </a:prstGeom>
+        </p:spPr>
+      </p:pic>
+    </p:spTree>
+    <p:extLst>
+      <p:ext uri="{BB962C8B-B14F-4D97-AF65-F5344CB8AC3E}">
+        <p14:creationId xmlns:p14="http://schemas.microsoft.com/office/powerpoint/2010/main" val="2616613301"/>
+      </p:ext>
+    </p:extLst>
+  </p:cSld>
+  <p:clrMapOvr>
+    <a:masterClrMapping/>
+  </p:clrMapOvr>
+</p:sld>
+</file>
+
+<file path=ppt/slides/slide6.xml><?xml version="1.0" encoding="utf-8"?>
+<p:sld xmlns:a="http://schemas.openxmlformats.org/drawingml/2006/main" xmlns:r="http://schemas.openxmlformats.org/officeDocument/2006/relationships" xmlns:p="http://schemas.openxmlformats.org/presentationml/2006/main">
+  <p:cSld>
+    <p:spTree>
+      <p:nvGrpSpPr>
+        <p:cNvPr id="1" name=""/>
+        <p:cNvGrpSpPr/>
+        <p:nvPr/>
+      </p:nvGrpSpPr>
+      <p:grpSpPr>
+        <a:xfrm>
+          <a:off x="0" y="0"/>
+          <a:ext cx="0" cy="0"/>
+          <a:chOff x="0" y="0"/>
+          <a:chExt cx="0" cy="0"/>
+        </a:xfrm>
+      </p:grpSpPr>
+      <p:sp>
+        <p:nvSpPr>
           <p:cNvPr id="6" name="Rectangle 5"/>
           <p:cNvSpPr/>
           <p:nvPr/>
@@ -8430,7 +9889,7 @@
 </p:sld>
 </file>
 
-<file path=ppt/slides/slide5.xml><?xml version="1.0" encoding="utf-8"?>
+<file path=ppt/slides/slide7.xml><?xml version="1.0" encoding="utf-8"?>
 <p:sld xmlns:a="http://schemas.openxmlformats.org/drawingml/2006/main" xmlns:r="http://schemas.openxmlformats.org/officeDocument/2006/relationships" xmlns:p="http://schemas.openxmlformats.org/presentationml/2006/main">
   <p:cSld>
     <p:spTree>
@@ -8824,7 +10283,7 @@
 </p:sld>
 </file>
 
-<file path=ppt/slides/slide6.xml><?xml version="1.0" encoding="utf-8"?>
+<file path=ppt/slides/slide8.xml><?xml version="1.0" encoding="utf-8"?>
 <p:sld xmlns:a="http://schemas.openxmlformats.org/drawingml/2006/main" xmlns:r="http://schemas.openxmlformats.org/officeDocument/2006/relationships" xmlns:p="http://schemas.openxmlformats.org/presentationml/2006/main">
   <p:cSld>
     <p:spTree>
@@ -10233,7 +11692,7 @@
 </p:sld>
 </file>
 
-<file path=ppt/slides/slide7.xml><?xml version="1.0" encoding="utf-8"?>
+<file path=ppt/slides/slide9.xml><?xml version="1.0" encoding="utf-8"?>
 <p:sld xmlns:a="http://schemas.openxmlformats.org/drawingml/2006/main" xmlns:r="http://schemas.openxmlformats.org/officeDocument/2006/relationships" xmlns:p="http://schemas.openxmlformats.org/presentationml/2006/main">
   <p:cSld>
     <p:spTree>
@@ -11216,635 +12675,6 @@
     <p:extLst>
       <p:ext uri="{BB962C8B-B14F-4D97-AF65-F5344CB8AC3E}">
         <p14:creationId xmlns:p14="http://schemas.microsoft.com/office/powerpoint/2010/main" val="3843100409"/>
-      </p:ext>
-    </p:extLst>
-  </p:cSld>
-  <p:clrMapOvr>
-    <a:masterClrMapping/>
-  </p:clrMapOvr>
-</p:sld>
-</file>
-
-<file path=ppt/slides/slide8.xml><?xml version="1.0" encoding="utf-8"?>
-<p:sld xmlns:a="http://schemas.openxmlformats.org/drawingml/2006/main" xmlns:r="http://schemas.openxmlformats.org/officeDocument/2006/relationships" xmlns:p="http://schemas.openxmlformats.org/presentationml/2006/main">
-  <p:cSld>
-    <p:spTree>
-      <p:nvGrpSpPr>
-        <p:cNvPr id="1" name=""/>
-        <p:cNvGrpSpPr/>
-        <p:nvPr/>
-      </p:nvGrpSpPr>
-      <p:grpSpPr>
-        <a:xfrm>
-          <a:off x="0" y="0"/>
-          <a:ext cx="0" cy="0"/>
-          <a:chOff x="0" y="0"/>
-          <a:chExt cx="0" cy="0"/>
-        </a:xfrm>
-      </p:grpSpPr>
-      <p:sp>
-        <p:nvSpPr>
-          <p:cNvPr id="21" name="Freeform 20"/>
-          <p:cNvSpPr/>
-          <p:nvPr/>
-        </p:nvSpPr>
-        <p:spPr>
-          <a:xfrm>
-            <a:off x="1088524" y="1727565"/>
-            <a:ext cx="2437348" cy="1317367"/>
-          </a:xfrm>
-          <a:custGeom>
-            <a:avLst/>
-            <a:gdLst>
-              <a:gd name="connsiteX0" fmla="*/ 0 w 2437348"/>
-              <a:gd name="connsiteY0" fmla="*/ 0 h 1317367"/>
-              <a:gd name="connsiteX1" fmla="*/ 686243 w 2437348"/>
-              <a:gd name="connsiteY1" fmla="*/ 1009719 h 1317367"/>
-              <a:gd name="connsiteX2" fmla="*/ 2437348 w 2437348"/>
-              <a:gd name="connsiteY2" fmla="*/ 1317367 h 1317367"/>
-            </a:gdLst>
-            <a:ahLst/>
-            <a:cxnLst>
-              <a:cxn ang="0">
-                <a:pos x="connsiteX0" y="connsiteY0"/>
-              </a:cxn>
-              <a:cxn ang="0">
-                <a:pos x="connsiteX1" y="connsiteY1"/>
-              </a:cxn>
-              <a:cxn ang="0">
-                <a:pos x="connsiteX2" y="connsiteY2"/>
-              </a:cxn>
-            </a:cxnLst>
-            <a:rect l="l" t="t" r="r" b="b"/>
-            <a:pathLst>
-              <a:path w="2437348" h="1317367">
-                <a:moveTo>
-                  <a:pt x="0" y="0"/>
-                </a:moveTo>
-                <a:cubicBezTo>
-                  <a:pt x="140009" y="395079"/>
-                  <a:pt x="280018" y="790158"/>
-                  <a:pt x="686243" y="1009719"/>
-                </a:cubicBezTo>
-                <a:cubicBezTo>
-                  <a:pt x="1092468" y="1229280"/>
-                  <a:pt x="2437348" y="1317367"/>
-                  <a:pt x="2437348" y="1317367"/>
-                </a:cubicBezTo>
-              </a:path>
-            </a:pathLst>
-          </a:custGeom>
-          <a:ln>
-            <a:headEnd type="none"/>
-            <a:tailEnd type="arrow"/>
-          </a:ln>
-        </p:spPr>
-        <p:style>
-          <a:lnRef idx="2">
-            <a:schemeClr val="dk1"/>
-          </a:lnRef>
-          <a:fillRef idx="0">
-            <a:schemeClr val="dk1"/>
-          </a:fillRef>
-          <a:effectRef idx="1">
-            <a:schemeClr val="dk1"/>
-          </a:effectRef>
-          <a:fontRef idx="minor">
-            <a:schemeClr val="tx1"/>
-          </a:fontRef>
-        </p:style>
-        <p:txBody>
-          <a:bodyPr rtlCol="0" anchor="ctr"/>
-          <a:lstStyle/>
-          <a:p>
-            <a:pPr algn="ctr"/>
-            <a:endParaRPr lang="en-US"/>
-          </a:p>
-        </p:txBody>
-      </p:sp>
-      <p:sp>
-        <p:nvSpPr>
-          <p:cNvPr id="22" name="Freeform 21"/>
-          <p:cNvSpPr/>
-          <p:nvPr/>
-        </p:nvSpPr>
-        <p:spPr>
-          <a:xfrm>
-            <a:off x="1056973" y="2374990"/>
-            <a:ext cx="2468899" cy="882698"/>
-          </a:xfrm>
-          <a:custGeom>
-            <a:avLst/>
-            <a:gdLst>
-              <a:gd name="connsiteX0" fmla="*/ 0 w 2437348"/>
-              <a:gd name="connsiteY0" fmla="*/ 0 h 790079"/>
-              <a:gd name="connsiteX1" fmla="*/ 741459 w 2437348"/>
-              <a:gd name="connsiteY1" fmla="*/ 678405 h 790079"/>
-              <a:gd name="connsiteX2" fmla="*/ 2437348 w 2437348"/>
-              <a:gd name="connsiteY2" fmla="*/ 788843 h 790079"/>
-              <a:gd name="connsiteX0" fmla="*/ 0 w 2437348"/>
-              <a:gd name="connsiteY0" fmla="*/ 0 h 788843"/>
-              <a:gd name="connsiteX1" fmla="*/ 867665 w 2437348"/>
-              <a:gd name="connsiteY1" fmla="*/ 578886 h 788843"/>
-              <a:gd name="connsiteX2" fmla="*/ 2437348 w 2437348"/>
-              <a:gd name="connsiteY2" fmla="*/ 788843 h 788843"/>
-              <a:gd name="connsiteX0" fmla="*/ 0 w 2468899"/>
-              <a:gd name="connsiteY0" fmla="*/ 0 h 742401"/>
-              <a:gd name="connsiteX1" fmla="*/ 867665 w 2468899"/>
-              <a:gd name="connsiteY1" fmla="*/ 578886 h 742401"/>
-              <a:gd name="connsiteX2" fmla="*/ 2468899 w 2468899"/>
-              <a:gd name="connsiteY2" fmla="*/ 742401 h 742401"/>
-            </a:gdLst>
-            <a:ahLst/>
-            <a:cxnLst>
-              <a:cxn ang="0">
-                <a:pos x="connsiteX0" y="connsiteY0"/>
-              </a:cxn>
-              <a:cxn ang="0">
-                <a:pos x="connsiteX1" y="connsiteY1"/>
-              </a:cxn>
-              <a:cxn ang="0">
-                <a:pos x="connsiteX2" y="connsiteY2"/>
-              </a:cxn>
-            </a:cxnLst>
-            <a:rect l="l" t="t" r="r" b="b"/>
-            <a:pathLst>
-              <a:path w="2468899" h="742401">
-                <a:moveTo>
-                  <a:pt x="0" y="0"/>
-                </a:moveTo>
-                <a:cubicBezTo>
-                  <a:pt x="167617" y="273465"/>
-                  <a:pt x="456182" y="455152"/>
-                  <a:pt x="867665" y="578886"/>
-                </a:cubicBezTo>
-                <a:cubicBezTo>
-                  <a:pt x="1279148" y="702620"/>
-                  <a:pt x="2468899" y="742401"/>
-                  <a:pt x="2468899" y="742401"/>
-                </a:cubicBezTo>
-              </a:path>
-            </a:pathLst>
-          </a:custGeom>
-          <a:ln>
-            <a:headEnd type="none"/>
-            <a:tailEnd type="arrow"/>
-          </a:ln>
-        </p:spPr>
-        <p:style>
-          <a:lnRef idx="2">
-            <a:schemeClr val="dk1"/>
-          </a:lnRef>
-          <a:fillRef idx="0">
-            <a:schemeClr val="dk1"/>
-          </a:fillRef>
-          <a:effectRef idx="1">
-            <a:schemeClr val="dk1"/>
-          </a:effectRef>
-          <a:fontRef idx="minor">
-            <a:schemeClr val="tx1"/>
-          </a:fontRef>
-        </p:style>
-        <p:txBody>
-          <a:bodyPr rtlCol="0" anchor="ctr"/>
-          <a:lstStyle/>
-          <a:p>
-            <a:pPr algn="ctr"/>
-            <a:endParaRPr lang="en-US"/>
-          </a:p>
-        </p:txBody>
-      </p:sp>
-      <p:sp>
-        <p:nvSpPr>
-          <p:cNvPr id="23" name="Freeform 22"/>
-          <p:cNvSpPr/>
-          <p:nvPr/>
-        </p:nvSpPr>
-        <p:spPr>
-          <a:xfrm>
-            <a:off x="1143739" y="3076486"/>
-            <a:ext cx="2382133" cy="347838"/>
-          </a:xfrm>
-          <a:custGeom>
-            <a:avLst/>
-            <a:gdLst>
-              <a:gd name="connsiteX0" fmla="*/ 0 w 2382133"/>
-              <a:gd name="connsiteY0" fmla="*/ 0 h 347838"/>
-              <a:gd name="connsiteX1" fmla="*/ 851888 w 2382133"/>
-              <a:gd name="connsiteY1" fmla="*/ 299760 h 347838"/>
-              <a:gd name="connsiteX2" fmla="*/ 2382133 w 2382133"/>
-              <a:gd name="connsiteY2" fmla="*/ 347091 h 347838"/>
-            </a:gdLst>
-            <a:ahLst/>
-            <a:cxnLst>
-              <a:cxn ang="0">
-                <a:pos x="connsiteX0" y="connsiteY0"/>
-              </a:cxn>
-              <a:cxn ang="0">
-                <a:pos x="connsiteX1" y="connsiteY1"/>
-              </a:cxn>
-              <a:cxn ang="0">
-                <a:pos x="connsiteX2" y="connsiteY2"/>
-              </a:cxn>
-            </a:cxnLst>
-            <a:rect l="l" t="t" r="r" b="b"/>
-            <a:pathLst>
-              <a:path w="2382133" h="347838">
-                <a:moveTo>
-                  <a:pt x="0" y="0"/>
-                </a:moveTo>
-                <a:cubicBezTo>
-                  <a:pt x="227433" y="120955"/>
-                  <a:pt x="454866" y="241911"/>
-                  <a:pt x="851888" y="299760"/>
-                </a:cubicBezTo>
-                <a:cubicBezTo>
-                  <a:pt x="1248910" y="357609"/>
-                  <a:pt x="2382133" y="347091"/>
-                  <a:pt x="2382133" y="347091"/>
-                </a:cubicBezTo>
-              </a:path>
-            </a:pathLst>
-          </a:custGeom>
-          <a:ln>
-            <a:headEnd type="none"/>
-            <a:tailEnd type="arrow"/>
-          </a:ln>
-        </p:spPr>
-        <p:style>
-          <a:lnRef idx="2">
-            <a:schemeClr val="dk1"/>
-          </a:lnRef>
-          <a:fillRef idx="0">
-            <a:schemeClr val="dk1"/>
-          </a:fillRef>
-          <a:effectRef idx="1">
-            <a:schemeClr val="dk1"/>
-          </a:effectRef>
-          <a:fontRef idx="minor">
-            <a:schemeClr val="tx1"/>
-          </a:fontRef>
-        </p:style>
-        <p:txBody>
-          <a:bodyPr rtlCol="0" anchor="ctr"/>
-          <a:lstStyle/>
-          <a:p>
-            <a:pPr algn="ctr"/>
-            <a:endParaRPr lang="en-US"/>
-          </a:p>
-        </p:txBody>
-      </p:sp>
-      <p:sp>
-        <p:nvSpPr>
-          <p:cNvPr id="24" name="Freeform 23"/>
-          <p:cNvSpPr/>
-          <p:nvPr/>
-        </p:nvSpPr>
-        <p:spPr>
-          <a:xfrm flipV="1">
-            <a:off x="1088524" y="3725860"/>
-            <a:ext cx="2437348" cy="1317367"/>
-          </a:xfrm>
-          <a:custGeom>
-            <a:avLst/>
-            <a:gdLst>
-              <a:gd name="connsiteX0" fmla="*/ 0 w 2437348"/>
-              <a:gd name="connsiteY0" fmla="*/ 0 h 1317367"/>
-              <a:gd name="connsiteX1" fmla="*/ 686243 w 2437348"/>
-              <a:gd name="connsiteY1" fmla="*/ 1009719 h 1317367"/>
-              <a:gd name="connsiteX2" fmla="*/ 2437348 w 2437348"/>
-              <a:gd name="connsiteY2" fmla="*/ 1317367 h 1317367"/>
-            </a:gdLst>
-            <a:ahLst/>
-            <a:cxnLst>
-              <a:cxn ang="0">
-                <a:pos x="connsiteX0" y="connsiteY0"/>
-              </a:cxn>
-              <a:cxn ang="0">
-                <a:pos x="connsiteX1" y="connsiteY1"/>
-              </a:cxn>
-              <a:cxn ang="0">
-                <a:pos x="connsiteX2" y="connsiteY2"/>
-              </a:cxn>
-            </a:cxnLst>
-            <a:rect l="l" t="t" r="r" b="b"/>
-            <a:pathLst>
-              <a:path w="2437348" h="1317367">
-                <a:moveTo>
-                  <a:pt x="0" y="0"/>
-                </a:moveTo>
-                <a:cubicBezTo>
-                  <a:pt x="140009" y="395079"/>
-                  <a:pt x="280018" y="790158"/>
-                  <a:pt x="686243" y="1009719"/>
-                </a:cubicBezTo>
-                <a:cubicBezTo>
-                  <a:pt x="1092468" y="1229280"/>
-                  <a:pt x="2437348" y="1317367"/>
-                  <a:pt x="2437348" y="1317367"/>
-                </a:cubicBezTo>
-              </a:path>
-            </a:pathLst>
-          </a:custGeom>
-          <a:ln>
-            <a:headEnd type="none"/>
-            <a:tailEnd type="arrow"/>
-          </a:ln>
-        </p:spPr>
-        <p:style>
-          <a:lnRef idx="2">
-            <a:schemeClr val="dk1"/>
-          </a:lnRef>
-          <a:fillRef idx="0">
-            <a:schemeClr val="dk1"/>
-          </a:fillRef>
-          <a:effectRef idx="1">
-            <a:schemeClr val="dk1"/>
-          </a:effectRef>
-          <a:fontRef idx="minor">
-            <a:schemeClr val="tx1"/>
-          </a:fontRef>
-        </p:style>
-        <p:txBody>
-          <a:bodyPr rtlCol="0" anchor="ctr"/>
-          <a:lstStyle/>
-          <a:p>
-            <a:pPr algn="ctr"/>
-            <a:endParaRPr lang="en-US"/>
-          </a:p>
-        </p:txBody>
-      </p:sp>
-      <p:sp>
-        <p:nvSpPr>
-          <p:cNvPr id="25" name="Freeform 24"/>
-          <p:cNvSpPr/>
-          <p:nvPr/>
-        </p:nvSpPr>
-        <p:spPr>
-          <a:xfrm flipV="1">
-            <a:off x="1056973" y="3566315"/>
-            <a:ext cx="2468899" cy="882698"/>
-          </a:xfrm>
-          <a:custGeom>
-            <a:avLst/>
-            <a:gdLst>
-              <a:gd name="connsiteX0" fmla="*/ 0 w 2437348"/>
-              <a:gd name="connsiteY0" fmla="*/ 0 h 790079"/>
-              <a:gd name="connsiteX1" fmla="*/ 741459 w 2437348"/>
-              <a:gd name="connsiteY1" fmla="*/ 678405 h 790079"/>
-              <a:gd name="connsiteX2" fmla="*/ 2437348 w 2437348"/>
-              <a:gd name="connsiteY2" fmla="*/ 788843 h 790079"/>
-              <a:gd name="connsiteX0" fmla="*/ 0 w 2437348"/>
-              <a:gd name="connsiteY0" fmla="*/ 0 h 788843"/>
-              <a:gd name="connsiteX1" fmla="*/ 867665 w 2437348"/>
-              <a:gd name="connsiteY1" fmla="*/ 578886 h 788843"/>
-              <a:gd name="connsiteX2" fmla="*/ 2437348 w 2437348"/>
-              <a:gd name="connsiteY2" fmla="*/ 788843 h 788843"/>
-              <a:gd name="connsiteX0" fmla="*/ 0 w 2468899"/>
-              <a:gd name="connsiteY0" fmla="*/ 0 h 742401"/>
-              <a:gd name="connsiteX1" fmla="*/ 867665 w 2468899"/>
-              <a:gd name="connsiteY1" fmla="*/ 578886 h 742401"/>
-              <a:gd name="connsiteX2" fmla="*/ 2468899 w 2468899"/>
-              <a:gd name="connsiteY2" fmla="*/ 742401 h 742401"/>
-            </a:gdLst>
-            <a:ahLst/>
-            <a:cxnLst>
-              <a:cxn ang="0">
-                <a:pos x="connsiteX0" y="connsiteY0"/>
-              </a:cxn>
-              <a:cxn ang="0">
-                <a:pos x="connsiteX1" y="connsiteY1"/>
-              </a:cxn>
-              <a:cxn ang="0">
-                <a:pos x="connsiteX2" y="connsiteY2"/>
-              </a:cxn>
-            </a:cxnLst>
-            <a:rect l="l" t="t" r="r" b="b"/>
-            <a:pathLst>
-              <a:path w="2468899" h="742401">
-                <a:moveTo>
-                  <a:pt x="0" y="0"/>
-                </a:moveTo>
-                <a:cubicBezTo>
-                  <a:pt x="167617" y="273465"/>
-                  <a:pt x="456182" y="455152"/>
-                  <a:pt x="867665" y="578886"/>
-                </a:cubicBezTo>
-                <a:cubicBezTo>
-                  <a:pt x="1279148" y="702620"/>
-                  <a:pt x="2468899" y="742401"/>
-                  <a:pt x="2468899" y="742401"/>
-                </a:cubicBezTo>
-              </a:path>
-            </a:pathLst>
-          </a:custGeom>
-          <a:ln>
-            <a:headEnd type="none"/>
-            <a:tailEnd type="arrow"/>
-          </a:ln>
-        </p:spPr>
-        <p:style>
-          <a:lnRef idx="2">
-            <a:schemeClr val="dk1"/>
-          </a:lnRef>
-          <a:fillRef idx="0">
-            <a:schemeClr val="dk1"/>
-          </a:fillRef>
-          <a:effectRef idx="1">
-            <a:schemeClr val="dk1"/>
-          </a:effectRef>
-          <a:fontRef idx="minor">
-            <a:schemeClr val="tx1"/>
-          </a:fontRef>
-        </p:style>
-        <p:txBody>
-          <a:bodyPr rtlCol="0" anchor="ctr"/>
-          <a:lstStyle/>
-          <a:p>
-            <a:pPr algn="ctr"/>
-            <a:endParaRPr lang="en-US"/>
-          </a:p>
-        </p:txBody>
-      </p:sp>
-      <p:pic>
-        <p:nvPicPr>
-          <p:cNvPr id="28" name="Picture 27"/>
-          <p:cNvPicPr>
-            <a:picLocks noChangeAspect="1"/>
-          </p:cNvPicPr>
-          <p:nvPr/>
-        </p:nvPicPr>
-        <p:blipFill>
-          <a:blip r:embed="rId2">
-            <a:clrChange>
-              <a:clrFrom>
-                <a:srgbClr val="FFFFFF"/>
-              </a:clrFrom>
-              <a:clrTo>
-                <a:srgbClr val="FFFFFF">
-                  <a:alpha val="0"/>
-                </a:srgbClr>
-              </a:clrTo>
-            </a:clrChange>
-          </a:blip>
-          <a:stretch>
-            <a:fillRect/>
-          </a:stretch>
-        </p:blipFill>
-        <p:spPr>
-          <a:xfrm rot="1095274">
-            <a:off x="1948301" y="2926436"/>
-            <a:ext cx="1397280" cy="662503"/>
-          </a:xfrm>
-          <a:prstGeom prst="rect">
-            <a:avLst/>
-          </a:prstGeom>
-        </p:spPr>
-      </p:pic>
-      <p:cxnSp>
-        <p:nvCxnSpPr>
-          <p:cNvPr id="19" name="Straight Arrow Connector 18"/>
-          <p:cNvCxnSpPr/>
-          <p:nvPr/>
-        </p:nvCxnSpPr>
-        <p:spPr>
-          <a:xfrm flipH="1">
-            <a:off x="1752167" y="3346911"/>
-            <a:ext cx="453308" cy="0"/>
-          </a:xfrm>
-          <a:prstGeom prst="straightConnector1">
-            <a:avLst/>
-          </a:prstGeom>
-          <a:ln>
-            <a:headEnd type="none"/>
-            <a:tailEnd type="triangle"/>
-          </a:ln>
-        </p:spPr>
-        <p:style>
-          <a:lnRef idx="2">
-            <a:schemeClr val="accent1"/>
-          </a:lnRef>
-          <a:fillRef idx="0">
-            <a:schemeClr val="accent1"/>
-          </a:fillRef>
-          <a:effectRef idx="1">
-            <a:schemeClr val="accent1"/>
-          </a:effectRef>
-          <a:fontRef idx="minor">
-            <a:schemeClr val="tx1"/>
-          </a:fontRef>
-        </p:style>
-      </p:cxnSp>
-      <p:cxnSp>
-        <p:nvCxnSpPr>
-          <p:cNvPr id="18" name="Straight Arrow Connector 17"/>
-          <p:cNvCxnSpPr/>
-          <p:nvPr/>
-        </p:nvCxnSpPr>
-        <p:spPr>
-          <a:xfrm>
-            <a:off x="3176432" y="3365120"/>
-            <a:ext cx="862151" cy="0"/>
-          </a:xfrm>
-          <a:prstGeom prst="straightConnector1">
-            <a:avLst/>
-          </a:prstGeom>
-          <a:ln>
-            <a:headEnd type="none"/>
-            <a:tailEnd type="triangle"/>
-          </a:ln>
-        </p:spPr>
-        <p:style>
-          <a:lnRef idx="2">
-            <a:schemeClr val="accent1"/>
-          </a:lnRef>
-          <a:fillRef idx="0">
-            <a:schemeClr val="accent1"/>
-          </a:fillRef>
-          <a:effectRef idx="1">
-            <a:schemeClr val="accent1"/>
-          </a:effectRef>
-          <a:fontRef idx="minor">
-            <a:schemeClr val="tx1"/>
-          </a:fontRef>
-        </p:style>
-      </p:cxnSp>
-      <p:pic>
-        <p:nvPicPr>
-          <p:cNvPr id="32" name="Picture 31"/>
-          <p:cNvPicPr>
-            <a:picLocks noChangeAspect="1"/>
-          </p:cNvPicPr>
-          <p:nvPr/>
-        </p:nvPicPr>
-        <p:blipFill>
-          <a:blip r:embed="rId3"/>
-          <a:stretch>
-            <a:fillRect/>
-          </a:stretch>
-        </p:blipFill>
-        <p:spPr>
-          <a:xfrm>
-            <a:off x="1359111" y="3330894"/>
-            <a:ext cx="292100" cy="355600"/>
-          </a:xfrm>
-          <a:prstGeom prst="rect">
-            <a:avLst/>
-          </a:prstGeom>
-        </p:spPr>
-      </p:pic>
-      <p:pic>
-        <p:nvPicPr>
-          <p:cNvPr id="33" name="Picture 32"/>
-          <p:cNvPicPr>
-            <a:picLocks noChangeAspect="1"/>
-          </p:cNvPicPr>
-          <p:nvPr/>
-        </p:nvPicPr>
-        <p:blipFill>
-          <a:blip r:embed="rId4"/>
-          <a:stretch>
-            <a:fillRect/>
-          </a:stretch>
-        </p:blipFill>
-        <p:spPr>
-          <a:xfrm>
-            <a:off x="3757861" y="2968153"/>
-            <a:ext cx="304800" cy="355600"/>
-          </a:xfrm>
-          <a:prstGeom prst="rect">
-            <a:avLst/>
-          </a:prstGeom>
-        </p:spPr>
-      </p:pic>
-      <p:pic>
-        <p:nvPicPr>
-          <p:cNvPr id="34" name="Picture 33"/>
-          <p:cNvPicPr>
-            <a:picLocks noChangeAspect="1"/>
-          </p:cNvPicPr>
-          <p:nvPr/>
-        </p:nvPicPr>
-        <p:blipFill>
-          <a:blip r:embed="rId5"/>
-          <a:stretch>
-            <a:fillRect/>
-          </a:stretch>
-        </p:blipFill>
-        <p:spPr>
-          <a:xfrm>
-            <a:off x="4062661" y="3508694"/>
-            <a:ext cx="533400" cy="355600"/>
-          </a:xfrm>
-          <a:prstGeom prst="rect">
-            <a:avLst/>
-          </a:prstGeom>
-        </p:spPr>
-      </p:pic>
-    </p:spTree>
-    <p:extLst>
-      <p:ext uri="{BB962C8B-B14F-4D97-AF65-F5344CB8AC3E}">
-        <p14:creationId xmlns:p14="http://schemas.microsoft.com/office/powerpoint/2010/main" val="1789328946"/>
       </p:ext>
     </p:extLst>
   </p:cSld>

--- a/figures/Presentation1.pptx
+++ b/figures/Presentation1.pptx
@@ -8449,7 +8449,7 @@
       </p:grpSpPr>
       <p:pic>
         <p:nvPicPr>
-          <p:cNvPr id="4" name="Picture 3"/>
+          <p:cNvPr id="5" name="Picture 4"/>
           <p:cNvPicPr>
             <a:picLocks noChangeAspect="1"/>
           </p:cNvPicPr>
